--- a/docs/FlyTech bemutató.pptx
+++ b/docs/FlyTech bemutató.pptx
@@ -8,6 +8,23 @@
     <p:sldId id="256" r:id="rId2"/>
     <p:sldId id="257" r:id="rId3"/>
     <p:sldId id="258" r:id="rId4"/>
+    <p:sldId id="259" r:id="rId5"/>
+    <p:sldId id="260" r:id="rId6"/>
+    <p:sldId id="261" r:id="rId7"/>
+    <p:sldId id="268" r:id="rId8"/>
+    <p:sldId id="269" r:id="rId9"/>
+    <p:sldId id="270" r:id="rId10"/>
+    <p:sldId id="271" r:id="rId11"/>
+    <p:sldId id="272" r:id="rId12"/>
+    <p:sldId id="273" r:id="rId13"/>
+    <p:sldId id="274" r:id="rId14"/>
+    <p:sldId id="275" r:id="rId15"/>
+    <p:sldId id="262" r:id="rId16"/>
+    <p:sldId id="263" r:id="rId17"/>
+    <p:sldId id="264" r:id="rId18"/>
+    <p:sldId id="265" r:id="rId19"/>
+    <p:sldId id="266" r:id="rId20"/>
+    <p:sldId id="267" r:id="rId21"/>
   </p:sldIdLst>
   <p:sldSz cx="12192000" cy="6858000"/>
   <p:notesSz cx="6858000" cy="9144000"/>
@@ -106,6 +123,11 @@
       </a:defRPr>
     </a:lvl9pPr>
   </p:defaultTextStyle>
+  <p:extLst>
+    <p:ext uri="{EFAFB233-063F-42B5-8137-9DF3F51BA10A}">
+      <p15:sldGuideLst xmlns:p15="http://schemas.microsoft.com/office/powerpoint/2012/main"/>
+    </p:ext>
+  </p:extLst>
 </p:presentation>
 </file>
 
@@ -279,7 +301,7 @@
             <a:fld id="{87DE6118-2437-4B30-8E3C-4D2BE6020583}" type="datetimeFigureOut">
               <a:rPr lang="en-US" dirty="0"/>
               <a:pPr/>
-              <a:t>4/29/2024</a:t>
+              <a:t>5/3/2024</a:t>
             </a:fld>
             <a:endParaRPr lang="en-US" dirty="0"/>
           </a:p>
@@ -605,7 +627,7 @@
           <a:p>
             <a:fld id="{87DE6118-2437-4B30-8E3C-4D2BE6020583}" type="datetimeFigureOut">
               <a:rPr lang="en-US" dirty="0"/>
-              <a:t>4/29/2024</a:t>
+              <a:t>5/3/2024</a:t>
             </a:fld>
             <a:endParaRPr lang="en-US" dirty="0"/>
           </a:p>
@@ -780,7 +802,7 @@
           <a:p>
             <a:fld id="{87DE6118-2437-4B30-8E3C-4D2BE6020583}" type="datetimeFigureOut">
               <a:rPr lang="en-US" dirty="0"/>
-              <a:t>4/29/2024</a:t>
+              <a:t>5/3/2024</a:t>
             </a:fld>
             <a:endParaRPr lang="en-US" dirty="0"/>
           </a:p>
@@ -945,7 +967,7 @@
           <a:p>
             <a:fld id="{87DE6118-2437-4B30-8E3C-4D2BE6020583}" type="datetimeFigureOut">
               <a:rPr lang="en-US" dirty="0"/>
-              <a:t>4/29/2024</a:t>
+              <a:t>5/3/2024</a:t>
             </a:fld>
             <a:endParaRPr lang="en-US" dirty="0"/>
           </a:p>
@@ -1218,7 +1240,7 @@
             <a:fld id="{87DE6118-2437-4B30-8E3C-4D2BE6020583}" type="datetimeFigureOut">
               <a:rPr lang="en-US" dirty="0"/>
               <a:pPr/>
-              <a:t>4/29/2024</a:t>
+              <a:t>5/3/2024</a:t>
             </a:fld>
             <a:endParaRPr lang="en-US" dirty="0"/>
           </a:p>
@@ -1608,7 +1630,7 @@
           <a:p>
             <a:fld id="{87DE6118-2437-4B30-8E3C-4D2BE6020583}" type="datetimeFigureOut">
               <a:rPr lang="en-US" dirty="0"/>
-              <a:t>4/29/2024</a:t>
+              <a:t>5/3/2024</a:t>
             </a:fld>
             <a:endParaRPr lang="en-US" dirty="0"/>
           </a:p>
@@ -2080,7 +2102,7 @@
           <a:p>
             <a:fld id="{87DE6118-2437-4B30-8E3C-4D2BE6020583}" type="datetimeFigureOut">
               <a:rPr lang="en-US" dirty="0"/>
-              <a:t>4/29/2024</a:t>
+              <a:t>5/3/2024</a:t>
             </a:fld>
             <a:endParaRPr lang="en-US" dirty="0"/>
           </a:p>
@@ -2193,7 +2215,7 @@
           <a:p>
             <a:fld id="{87DE6118-2437-4B30-8E3C-4D2BE6020583}" type="datetimeFigureOut">
               <a:rPr lang="en-US" dirty="0"/>
-              <a:t>4/29/2024</a:t>
+              <a:t>5/3/2024</a:t>
             </a:fld>
             <a:endParaRPr lang="en-US" dirty="0"/>
           </a:p>
@@ -2283,7 +2305,7 @@
           <a:p>
             <a:fld id="{87DE6118-2437-4B30-8E3C-4D2BE6020583}" type="datetimeFigureOut">
               <a:rPr lang="en-US" dirty="0"/>
-              <a:t>4/29/2024</a:t>
+              <a:t>5/3/2024</a:t>
             </a:fld>
             <a:endParaRPr lang="en-US" dirty="0"/>
           </a:p>
@@ -2625,7 +2647,7 @@
             <a:fld id="{87DE6118-2437-4B30-8E3C-4D2BE6020583}" type="datetimeFigureOut">
               <a:rPr lang="en-US" dirty="0"/>
               <a:pPr/>
-              <a:t>4/29/2024</a:t>
+              <a:t>5/3/2024</a:t>
             </a:fld>
             <a:endParaRPr lang="en-US" dirty="0"/>
           </a:p>
@@ -3010,7 +3032,7 @@
             <a:fld id="{87DE6118-2437-4B30-8E3C-4D2BE6020583}" type="datetimeFigureOut">
               <a:rPr lang="en-US" dirty="0"/>
               <a:pPr/>
-              <a:t>4/29/2024</a:t>
+              <a:t>5/3/2024</a:t>
             </a:fld>
             <a:endParaRPr lang="en-US" dirty="0"/>
           </a:p>
@@ -3285,7 +3307,7 @@
             <a:fld id="{87DE6118-2437-4B30-8E3C-4D2BE6020583}" type="datetimeFigureOut">
               <a:rPr lang="en-US" dirty="0"/>
               <a:pPr/>
-              <a:t>4/29/2024</a:t>
+              <a:t>5/3/2024</a:t>
             </a:fld>
             <a:endParaRPr lang="en-US" dirty="0"/>
           </a:p>
@@ -3779,6 +3801,17 @@
 <file path=ppt/slides/slide1.xml><?xml version="1.0" encoding="utf-8"?>
 <p:sld xmlns:a="http://schemas.openxmlformats.org/drawingml/2006/main" xmlns:r="http://schemas.openxmlformats.org/officeDocument/2006/relationships" xmlns:p="http://schemas.openxmlformats.org/presentationml/2006/main">
   <p:cSld>
+    <p:bg>
+      <p:bgPr>
+        <a:solidFill>
+          <a:schemeClr val="accent1">
+            <a:lumMod val="40000"/>
+            <a:lumOff val="60000"/>
+          </a:schemeClr>
+        </a:solidFill>
+        <a:effectLst/>
+      </p:bgPr>
+    </p:bg>
     <p:spTree>
       <p:nvGrpSpPr>
         <p:cNvPr id="1" name=""/>
@@ -4080,9 +4113,20 @@
 </p:sld>
 </file>
 
-<file path=ppt/slides/slide2.xml><?xml version="1.0" encoding="utf-8"?>
+<file path=ppt/slides/slide10.xml><?xml version="1.0" encoding="utf-8"?>
 <p:sld xmlns:a="http://schemas.openxmlformats.org/drawingml/2006/main" xmlns:r="http://schemas.openxmlformats.org/officeDocument/2006/relationships" xmlns:p="http://schemas.openxmlformats.org/presentationml/2006/main">
   <p:cSld>
+    <p:bg>
+      <p:bgPr>
+        <a:solidFill>
+          <a:schemeClr val="accent1">
+            <a:lumMod val="40000"/>
+            <a:lumOff val="60000"/>
+          </a:schemeClr>
+        </a:solidFill>
+        <a:effectLst/>
+      </p:bgPr>
+    </p:bg>
     <p:spTree>
       <p:nvGrpSpPr>
         <p:cNvPr id="1" name=""/>
@@ -4099,10 +4143,10 @@
       </p:grpSpPr>
       <p:sp>
         <p:nvSpPr>
-          <p:cNvPr id="2" name="Cím 1">
+          <p:cNvPr id="4" name="Cím 1">
             <a:extLst>
               <a:ext uri="{FF2B5EF4-FFF2-40B4-BE49-F238E27FC236}">
-                <a16:creationId xmlns:a16="http://schemas.microsoft.com/office/drawing/2014/main" id="{C10B6D0C-3056-4A0E-B678-EAE1FF76D736}"/>
+                <a16:creationId xmlns:a16="http://schemas.microsoft.com/office/drawing/2014/main" id="{3168612D-0E94-4C05-AE7F-89E2C0DAA152}"/>
               </a:ext>
             </a:extLst>
           </p:cNvPr>
@@ -4115,57 +4159,86 @@
         </p:nvSpPr>
         <p:spPr>
           <a:xfrm>
-            <a:off x="1371600" y="685800"/>
-            <a:ext cx="9601200" cy="916497"/>
-          </a:xfrm>
-        </p:spPr>
-        <p:txBody>
-          <a:bodyPr>
-            <a:normAutofit/>
-          </a:bodyPr>
+            <a:off x="1295400" y="533047"/>
+            <a:ext cx="9601200" cy="1485900"/>
+          </a:xfrm>
+        </p:spPr>
+        <p:txBody>
+          <a:bodyPr/>
           <a:lstStyle/>
           <a:p>
             <a:r>
               <a:rPr lang="hu-HU" sz="3600" dirty="0"/>
-              <a:t>Téma választás</a:t>
-            </a:r>
-          </a:p>
-        </p:txBody>
-      </p:sp>
-      <p:sp>
-        <p:nvSpPr>
-          <p:cNvPr id="3" name="Tartalom helye 2">
+              <a:t>Tesztvezetés</a:t>
+            </a:r>
+            <a:endParaRPr lang="hu-HU" dirty="0"/>
+          </a:p>
+        </p:txBody>
+      </p:sp>
+      <p:pic>
+        <p:nvPicPr>
+          <p:cNvPr id="6" name="Kép 5">
             <a:extLst>
               <a:ext uri="{FF2B5EF4-FFF2-40B4-BE49-F238E27FC236}">
-                <a16:creationId xmlns:a16="http://schemas.microsoft.com/office/drawing/2014/main" id="{35C54FE1-54AA-40E7-B54D-22A1D2DFBEFF}"/>
+                <a16:creationId xmlns:a16="http://schemas.microsoft.com/office/drawing/2014/main" id="{17925973-C925-49BE-BA95-36551B2E2D2A}"/>
               </a:ext>
             </a:extLst>
           </p:cNvPr>
-          <p:cNvSpPr>
-            <a:spLocks noGrp="1"/>
-          </p:cNvSpPr>
-          <p:nvPr>
-            <p:ph idx="1"/>
-          </p:nvPr>
-        </p:nvSpPr>
-        <p:spPr>
-          <a:xfrm>
-            <a:off x="1371600" y="1602297"/>
-            <a:ext cx="9601200" cy="4265103"/>
-          </a:xfrm>
-        </p:spPr>
-        <p:txBody>
-          <a:bodyPr/>
-          <a:lstStyle/>
-          <a:p>
-            <a:endParaRPr lang="hu-HU" dirty="0"/>
-          </a:p>
-        </p:txBody>
-      </p:sp>
+          <p:cNvPicPr>
+            <a:picLocks noChangeAspect="1"/>
+          </p:cNvPicPr>
+          <p:nvPr/>
+        </p:nvPicPr>
+        <p:blipFill>
+          <a:blip r:embed="rId2"/>
+          <a:stretch>
+            <a:fillRect/>
+          </a:stretch>
+        </p:blipFill>
+        <p:spPr>
+          <a:xfrm>
+            <a:off x="2066416" y="1275997"/>
+            <a:ext cx="3648584" cy="4848902"/>
+          </a:xfrm>
+          <a:prstGeom prst="rect">
+            <a:avLst/>
+          </a:prstGeom>
+        </p:spPr>
+      </p:pic>
+      <p:pic>
+        <p:nvPicPr>
+          <p:cNvPr id="8" name="Kép 7">
+            <a:extLst>
+              <a:ext uri="{FF2B5EF4-FFF2-40B4-BE49-F238E27FC236}">
+                <a16:creationId xmlns:a16="http://schemas.microsoft.com/office/drawing/2014/main" id="{FCDC1D17-7E74-4228-9119-2A7E46EE4AC5}"/>
+              </a:ext>
+            </a:extLst>
+          </p:cNvPr>
+          <p:cNvPicPr>
+            <a:picLocks noChangeAspect="1"/>
+          </p:cNvPicPr>
+          <p:nvPr/>
+        </p:nvPicPr>
+        <p:blipFill>
+          <a:blip r:embed="rId3"/>
+          <a:stretch>
+            <a:fillRect/>
+          </a:stretch>
+        </p:blipFill>
+        <p:spPr>
+          <a:xfrm>
+            <a:off x="7108350" y="157162"/>
+            <a:ext cx="3017234" cy="6543675"/>
+          </a:xfrm>
+          <a:prstGeom prst="rect">
+            <a:avLst/>
+          </a:prstGeom>
+        </p:spPr>
+      </p:pic>
     </p:spTree>
     <p:extLst>
       <p:ext uri="{BB962C8B-B14F-4D97-AF65-F5344CB8AC3E}">
-        <p14:creationId xmlns:p14="http://schemas.microsoft.com/office/powerpoint/2010/main" val="4091095233"/>
+        <p14:creationId xmlns:p14="http://schemas.microsoft.com/office/powerpoint/2010/main" val="526315988"/>
       </p:ext>
     </p:extLst>
   </p:cSld>
@@ -4175,9 +4248,20 @@
 </p:sld>
 </file>
 
-<file path=ppt/slides/slide3.xml><?xml version="1.0" encoding="utf-8"?>
+<file path=ppt/slides/slide11.xml><?xml version="1.0" encoding="utf-8"?>
 <p:sld xmlns:a="http://schemas.openxmlformats.org/drawingml/2006/main" xmlns:r="http://schemas.openxmlformats.org/officeDocument/2006/relationships" xmlns:p="http://schemas.openxmlformats.org/presentationml/2006/main">
   <p:cSld>
+    <p:bg>
+      <p:bgPr>
+        <a:solidFill>
+          <a:schemeClr val="accent1">
+            <a:lumMod val="40000"/>
+            <a:lumOff val="60000"/>
+          </a:schemeClr>
+        </a:solidFill>
+        <a:effectLst/>
+      </p:bgPr>
+    </p:bg>
     <p:spTree>
       <p:nvGrpSpPr>
         <p:cNvPr id="1" name=""/>
@@ -4197,6 +4281,1348 @@
           <p:cNvPr id="2" name="Cím 1">
             <a:extLst>
               <a:ext uri="{FF2B5EF4-FFF2-40B4-BE49-F238E27FC236}">
+                <a16:creationId xmlns:a16="http://schemas.microsoft.com/office/drawing/2014/main" id="{74DA8A6B-F3D1-4B3F-8C3F-93D9D7CEF4DA}"/>
+              </a:ext>
+            </a:extLst>
+          </p:cNvPr>
+          <p:cNvSpPr>
+            <a:spLocks noGrp="1"/>
+          </p:cNvSpPr>
+          <p:nvPr>
+            <p:ph type="title"/>
+          </p:nvPr>
+        </p:nvSpPr>
+        <p:spPr/>
+        <p:txBody>
+          <a:bodyPr/>
+          <a:lstStyle/>
+          <a:p>
+            <a:r>
+              <a:rPr lang="hu-HU" sz="3600" dirty="0"/>
+              <a:t>Ajánlatkérés</a:t>
+            </a:r>
+            <a:endParaRPr lang="hu-HU" dirty="0"/>
+          </a:p>
+        </p:txBody>
+      </p:sp>
+      <p:pic>
+        <p:nvPicPr>
+          <p:cNvPr id="5" name="Kép 4">
+            <a:extLst>
+              <a:ext uri="{FF2B5EF4-FFF2-40B4-BE49-F238E27FC236}">
+                <a16:creationId xmlns:a16="http://schemas.microsoft.com/office/drawing/2014/main" id="{E56E499E-3379-4E82-A76B-6BCFFF68D2EF}"/>
+              </a:ext>
+            </a:extLst>
+          </p:cNvPr>
+          <p:cNvPicPr>
+            <a:picLocks noChangeAspect="1"/>
+          </p:cNvPicPr>
+          <p:nvPr/>
+        </p:nvPicPr>
+        <p:blipFill>
+          <a:blip r:embed="rId2"/>
+          <a:stretch>
+            <a:fillRect/>
+          </a:stretch>
+        </p:blipFill>
+        <p:spPr>
+          <a:xfrm>
+            <a:off x="2214522" y="1370930"/>
+            <a:ext cx="3600953" cy="4801270"/>
+          </a:xfrm>
+          <a:prstGeom prst="rect">
+            <a:avLst/>
+          </a:prstGeom>
+        </p:spPr>
+      </p:pic>
+      <p:pic>
+        <p:nvPicPr>
+          <p:cNvPr id="7" name="Kép 6">
+            <a:extLst>
+              <a:ext uri="{FF2B5EF4-FFF2-40B4-BE49-F238E27FC236}">
+                <a16:creationId xmlns:a16="http://schemas.microsoft.com/office/drawing/2014/main" id="{9E3E037F-022D-4C6C-8EBA-A3BCDF10B9B1}"/>
+              </a:ext>
+            </a:extLst>
+          </p:cNvPr>
+          <p:cNvPicPr>
+            <a:picLocks noChangeAspect="1"/>
+          </p:cNvPicPr>
+          <p:nvPr/>
+        </p:nvPicPr>
+        <p:blipFill>
+          <a:blip r:embed="rId3"/>
+          <a:stretch>
+            <a:fillRect/>
+          </a:stretch>
+        </p:blipFill>
+        <p:spPr>
+          <a:xfrm>
+            <a:off x="6652092" y="228600"/>
+            <a:ext cx="3484091" cy="6400800"/>
+          </a:xfrm>
+          <a:prstGeom prst="rect">
+            <a:avLst/>
+          </a:prstGeom>
+        </p:spPr>
+      </p:pic>
+    </p:spTree>
+    <p:extLst>
+      <p:ext uri="{BB962C8B-B14F-4D97-AF65-F5344CB8AC3E}">
+        <p14:creationId xmlns:p14="http://schemas.microsoft.com/office/powerpoint/2010/main" val="2833266132"/>
+      </p:ext>
+    </p:extLst>
+  </p:cSld>
+  <p:clrMapOvr>
+    <a:masterClrMapping/>
+  </p:clrMapOvr>
+</p:sld>
+</file>
+
+<file path=ppt/slides/slide12.xml><?xml version="1.0" encoding="utf-8"?>
+<p:sld xmlns:a="http://schemas.openxmlformats.org/drawingml/2006/main" xmlns:r="http://schemas.openxmlformats.org/officeDocument/2006/relationships" xmlns:p="http://schemas.openxmlformats.org/presentationml/2006/main">
+  <p:cSld>
+    <p:bg>
+      <p:bgPr>
+        <a:solidFill>
+          <a:schemeClr val="accent1">
+            <a:lumMod val="40000"/>
+            <a:lumOff val="60000"/>
+          </a:schemeClr>
+        </a:solidFill>
+        <a:effectLst/>
+      </p:bgPr>
+    </p:bg>
+    <p:spTree>
+      <p:nvGrpSpPr>
+        <p:cNvPr id="1" name=""/>
+        <p:cNvGrpSpPr/>
+        <p:nvPr/>
+      </p:nvGrpSpPr>
+      <p:grpSpPr>
+        <a:xfrm>
+          <a:off x="0" y="0"/>
+          <a:ext cx="0" cy="0"/>
+          <a:chOff x="0" y="0"/>
+          <a:chExt cx="0" cy="0"/>
+        </a:xfrm>
+      </p:grpSpPr>
+      <p:sp>
+        <p:nvSpPr>
+          <p:cNvPr id="4" name="Cím 1">
+            <a:extLst>
+              <a:ext uri="{FF2B5EF4-FFF2-40B4-BE49-F238E27FC236}">
+                <a16:creationId xmlns:a16="http://schemas.microsoft.com/office/drawing/2014/main" id="{D417307C-70C5-4F69-8296-6808211AD828}"/>
+              </a:ext>
+            </a:extLst>
+          </p:cNvPr>
+          <p:cNvSpPr>
+            <a:spLocks noGrp="1"/>
+          </p:cNvSpPr>
+          <p:nvPr>
+            <p:ph type="title"/>
+          </p:nvPr>
+        </p:nvSpPr>
+        <p:spPr>
+          <a:xfrm>
+            <a:off x="1371600" y="685800"/>
+            <a:ext cx="9601200" cy="1485900"/>
+          </a:xfrm>
+        </p:spPr>
+        <p:txBody>
+          <a:bodyPr/>
+          <a:lstStyle/>
+          <a:p>
+            <a:r>
+              <a:rPr lang="hu-HU" sz="3600" dirty="0" err="1"/>
+              <a:t>FlyTech</a:t>
+            </a:r>
+            <a:r>
+              <a:rPr lang="hu-HU" sz="3600" dirty="0"/>
+              <a:t> - Kapcsolatok</a:t>
+            </a:r>
+            <a:endParaRPr lang="hu-HU" dirty="0"/>
+          </a:p>
+        </p:txBody>
+      </p:sp>
+      <p:pic>
+        <p:nvPicPr>
+          <p:cNvPr id="6" name="Kép 5">
+            <a:extLst>
+              <a:ext uri="{FF2B5EF4-FFF2-40B4-BE49-F238E27FC236}">
+                <a16:creationId xmlns:a16="http://schemas.microsoft.com/office/drawing/2014/main" id="{7379F8EB-423E-4B7D-89C9-E6DBAACE234B}"/>
+              </a:ext>
+            </a:extLst>
+          </p:cNvPr>
+          <p:cNvPicPr>
+            <a:picLocks noChangeAspect="1"/>
+          </p:cNvPicPr>
+          <p:nvPr/>
+        </p:nvPicPr>
+        <p:blipFill>
+          <a:blip r:embed="rId2"/>
+          <a:stretch>
+            <a:fillRect/>
+          </a:stretch>
+        </p:blipFill>
+        <p:spPr>
+          <a:xfrm>
+            <a:off x="1660102" y="1428750"/>
+            <a:ext cx="3950123" cy="5019675"/>
+          </a:xfrm>
+          <a:prstGeom prst="rect">
+            <a:avLst/>
+          </a:prstGeom>
+        </p:spPr>
+      </p:pic>
+      <p:pic>
+        <p:nvPicPr>
+          <p:cNvPr id="8" name="Kép 7">
+            <a:extLst>
+              <a:ext uri="{FF2B5EF4-FFF2-40B4-BE49-F238E27FC236}">
+                <a16:creationId xmlns:a16="http://schemas.microsoft.com/office/drawing/2014/main" id="{D9473C76-8761-4F18-BD44-248BF0275FC4}"/>
+              </a:ext>
+            </a:extLst>
+          </p:cNvPr>
+          <p:cNvPicPr>
+            <a:picLocks noChangeAspect="1"/>
+          </p:cNvPicPr>
+          <p:nvPr/>
+        </p:nvPicPr>
+        <p:blipFill>
+          <a:blip r:embed="rId3"/>
+          <a:stretch>
+            <a:fillRect/>
+          </a:stretch>
+        </p:blipFill>
+        <p:spPr>
+          <a:xfrm>
+            <a:off x="6581777" y="1428750"/>
+            <a:ext cx="4051785" cy="5019675"/>
+          </a:xfrm>
+          <a:prstGeom prst="rect">
+            <a:avLst/>
+          </a:prstGeom>
+        </p:spPr>
+      </p:pic>
+    </p:spTree>
+    <p:extLst>
+      <p:ext uri="{BB962C8B-B14F-4D97-AF65-F5344CB8AC3E}">
+        <p14:creationId xmlns:p14="http://schemas.microsoft.com/office/powerpoint/2010/main" val="3048310911"/>
+      </p:ext>
+    </p:extLst>
+  </p:cSld>
+  <p:clrMapOvr>
+    <a:masterClrMapping/>
+  </p:clrMapOvr>
+</p:sld>
+</file>
+
+<file path=ppt/slides/slide13.xml><?xml version="1.0" encoding="utf-8"?>
+<p:sld xmlns:a="http://schemas.openxmlformats.org/drawingml/2006/main" xmlns:r="http://schemas.openxmlformats.org/officeDocument/2006/relationships" xmlns:p="http://schemas.openxmlformats.org/presentationml/2006/main">
+  <p:cSld>
+    <p:bg>
+      <p:bgPr>
+        <a:solidFill>
+          <a:schemeClr val="accent1">
+            <a:lumMod val="40000"/>
+            <a:lumOff val="60000"/>
+          </a:schemeClr>
+        </a:solidFill>
+        <a:effectLst/>
+      </p:bgPr>
+    </p:bg>
+    <p:spTree>
+      <p:nvGrpSpPr>
+        <p:cNvPr id="1" name=""/>
+        <p:cNvGrpSpPr/>
+        <p:nvPr/>
+      </p:nvGrpSpPr>
+      <p:grpSpPr>
+        <a:xfrm>
+          <a:off x="0" y="0"/>
+          <a:ext cx="0" cy="0"/>
+          <a:chOff x="0" y="0"/>
+          <a:chExt cx="0" cy="0"/>
+        </a:xfrm>
+      </p:grpSpPr>
+      <p:sp>
+        <p:nvSpPr>
+          <p:cNvPr id="4" name="Cím 1">
+            <a:extLst>
+              <a:ext uri="{FF2B5EF4-FFF2-40B4-BE49-F238E27FC236}">
+                <a16:creationId xmlns:a16="http://schemas.microsoft.com/office/drawing/2014/main" id="{EAB2E33B-F5C8-4A51-B0A4-FD9125552F28}"/>
+              </a:ext>
+            </a:extLst>
+          </p:cNvPr>
+          <p:cNvSpPr>
+            <a:spLocks noGrp="1"/>
+          </p:cNvSpPr>
+          <p:nvPr>
+            <p:ph type="title"/>
+          </p:nvPr>
+        </p:nvSpPr>
+        <p:spPr>
+          <a:xfrm>
+            <a:off x="1371600" y="685800"/>
+            <a:ext cx="9601200" cy="1485900"/>
+          </a:xfrm>
+        </p:spPr>
+        <p:txBody>
+          <a:bodyPr/>
+          <a:lstStyle/>
+          <a:p>
+            <a:r>
+              <a:rPr lang="hu-HU" sz="3600" dirty="0" err="1"/>
+              <a:t>FlyTech</a:t>
+            </a:r>
+            <a:r>
+              <a:rPr lang="hu-HU" sz="3600" dirty="0"/>
+              <a:t> - Rólunk</a:t>
+            </a:r>
+            <a:endParaRPr lang="hu-HU" dirty="0"/>
+          </a:p>
+        </p:txBody>
+      </p:sp>
+      <p:pic>
+        <p:nvPicPr>
+          <p:cNvPr id="6" name="Kép 5">
+            <a:extLst>
+              <a:ext uri="{FF2B5EF4-FFF2-40B4-BE49-F238E27FC236}">
+                <a16:creationId xmlns:a16="http://schemas.microsoft.com/office/drawing/2014/main" id="{04AFDED9-A6CB-400E-9396-3ED32E880133}"/>
+              </a:ext>
+            </a:extLst>
+          </p:cNvPr>
+          <p:cNvPicPr>
+            <a:picLocks noChangeAspect="1"/>
+          </p:cNvPicPr>
+          <p:nvPr/>
+        </p:nvPicPr>
+        <p:blipFill>
+          <a:blip r:embed="rId2"/>
+          <a:stretch>
+            <a:fillRect/>
+          </a:stretch>
+        </p:blipFill>
+        <p:spPr>
+          <a:xfrm>
+            <a:off x="1752262" y="1323974"/>
+            <a:ext cx="3943688" cy="5058209"/>
+          </a:xfrm>
+          <a:prstGeom prst="rect">
+            <a:avLst/>
+          </a:prstGeom>
+        </p:spPr>
+      </p:pic>
+      <p:pic>
+        <p:nvPicPr>
+          <p:cNvPr id="8" name="Kép 7">
+            <a:extLst>
+              <a:ext uri="{FF2B5EF4-FFF2-40B4-BE49-F238E27FC236}">
+                <a16:creationId xmlns:a16="http://schemas.microsoft.com/office/drawing/2014/main" id="{454C500E-C2A1-42A3-BE0D-838A3F7EA887}"/>
+              </a:ext>
+            </a:extLst>
+          </p:cNvPr>
+          <p:cNvPicPr>
+            <a:picLocks noChangeAspect="1"/>
+          </p:cNvPicPr>
+          <p:nvPr/>
+        </p:nvPicPr>
+        <p:blipFill>
+          <a:blip r:embed="rId3"/>
+          <a:stretch>
+            <a:fillRect/>
+          </a:stretch>
+        </p:blipFill>
+        <p:spPr>
+          <a:xfrm>
+            <a:off x="6576478" y="1323973"/>
+            <a:ext cx="4043897" cy="5058209"/>
+          </a:xfrm>
+          <a:prstGeom prst="rect">
+            <a:avLst/>
+          </a:prstGeom>
+        </p:spPr>
+      </p:pic>
+    </p:spTree>
+    <p:extLst>
+      <p:ext uri="{BB962C8B-B14F-4D97-AF65-F5344CB8AC3E}">
+        <p14:creationId xmlns:p14="http://schemas.microsoft.com/office/powerpoint/2010/main" val="3388346654"/>
+      </p:ext>
+    </p:extLst>
+  </p:cSld>
+  <p:clrMapOvr>
+    <a:masterClrMapping/>
+  </p:clrMapOvr>
+</p:sld>
+</file>
+
+<file path=ppt/slides/slide14.xml><?xml version="1.0" encoding="utf-8"?>
+<p:sld xmlns:a="http://schemas.openxmlformats.org/drawingml/2006/main" xmlns:r="http://schemas.openxmlformats.org/officeDocument/2006/relationships" xmlns:p="http://schemas.openxmlformats.org/presentationml/2006/main">
+  <p:cSld>
+    <p:bg>
+      <p:bgPr>
+        <a:solidFill>
+          <a:schemeClr val="accent1">
+            <a:lumMod val="40000"/>
+            <a:lumOff val="60000"/>
+          </a:schemeClr>
+        </a:solidFill>
+        <a:effectLst/>
+      </p:bgPr>
+    </p:bg>
+    <p:spTree>
+      <p:nvGrpSpPr>
+        <p:cNvPr id="1" name=""/>
+        <p:cNvGrpSpPr/>
+        <p:nvPr/>
+      </p:nvGrpSpPr>
+      <p:grpSpPr>
+        <a:xfrm>
+          <a:off x="0" y="0"/>
+          <a:ext cx="0" cy="0"/>
+          <a:chOff x="0" y="0"/>
+          <a:chExt cx="0" cy="0"/>
+        </a:xfrm>
+      </p:grpSpPr>
+      <p:sp>
+        <p:nvSpPr>
+          <p:cNvPr id="4" name="Cím 1">
+            <a:extLst>
+              <a:ext uri="{FF2B5EF4-FFF2-40B4-BE49-F238E27FC236}">
+                <a16:creationId xmlns:a16="http://schemas.microsoft.com/office/drawing/2014/main" id="{1CD22F11-9588-4A04-A533-47F3A61C07DC}"/>
+              </a:ext>
+            </a:extLst>
+          </p:cNvPr>
+          <p:cNvSpPr>
+            <a:spLocks noGrp="1"/>
+          </p:cNvSpPr>
+          <p:nvPr>
+            <p:ph type="title"/>
+          </p:nvPr>
+        </p:nvSpPr>
+        <p:spPr>
+          <a:xfrm>
+            <a:off x="1371600" y="685800"/>
+            <a:ext cx="9601200" cy="1485900"/>
+          </a:xfrm>
+        </p:spPr>
+        <p:txBody>
+          <a:bodyPr/>
+          <a:lstStyle/>
+          <a:p>
+            <a:r>
+              <a:rPr lang="hu-HU" sz="3600" dirty="0" err="1"/>
+              <a:t>FlyTech</a:t>
+            </a:r>
+            <a:r>
+              <a:rPr lang="hu-HU" sz="3600" dirty="0"/>
+              <a:t> - Vélemények</a:t>
+            </a:r>
+            <a:endParaRPr lang="hu-HU" dirty="0"/>
+          </a:p>
+        </p:txBody>
+      </p:sp>
+      <p:pic>
+        <p:nvPicPr>
+          <p:cNvPr id="6" name="Kép 5">
+            <a:extLst>
+              <a:ext uri="{FF2B5EF4-FFF2-40B4-BE49-F238E27FC236}">
+                <a16:creationId xmlns:a16="http://schemas.microsoft.com/office/drawing/2014/main" id="{6AC25DB2-F6D7-487E-A02C-91131F57F713}"/>
+              </a:ext>
+            </a:extLst>
+          </p:cNvPr>
+          <p:cNvPicPr>
+            <a:picLocks noChangeAspect="1"/>
+          </p:cNvPicPr>
+          <p:nvPr/>
+        </p:nvPicPr>
+        <p:blipFill>
+          <a:blip r:embed="rId2"/>
+          <a:stretch>
+            <a:fillRect/>
+          </a:stretch>
+        </p:blipFill>
+        <p:spPr>
+          <a:xfrm>
+            <a:off x="1956061" y="1428750"/>
+            <a:ext cx="4139939" cy="5062913"/>
+          </a:xfrm>
+          <a:prstGeom prst="rect">
+            <a:avLst/>
+          </a:prstGeom>
+        </p:spPr>
+      </p:pic>
+      <p:pic>
+        <p:nvPicPr>
+          <p:cNvPr id="8" name="Kép 7">
+            <a:extLst>
+              <a:ext uri="{FF2B5EF4-FFF2-40B4-BE49-F238E27FC236}">
+                <a16:creationId xmlns:a16="http://schemas.microsoft.com/office/drawing/2014/main" id="{8EB342CF-C007-4A65-959D-E24281A2B4ED}"/>
+              </a:ext>
+            </a:extLst>
+          </p:cNvPr>
+          <p:cNvPicPr>
+            <a:picLocks noChangeAspect="1"/>
+          </p:cNvPicPr>
+          <p:nvPr/>
+        </p:nvPicPr>
+        <p:blipFill>
+          <a:blip r:embed="rId3"/>
+          <a:stretch>
+            <a:fillRect/>
+          </a:stretch>
+        </p:blipFill>
+        <p:spPr>
+          <a:xfrm>
+            <a:off x="6700611" y="1110038"/>
+            <a:ext cx="3667578" cy="5562600"/>
+          </a:xfrm>
+          <a:prstGeom prst="rect">
+            <a:avLst/>
+          </a:prstGeom>
+        </p:spPr>
+      </p:pic>
+    </p:spTree>
+    <p:extLst>
+      <p:ext uri="{BB962C8B-B14F-4D97-AF65-F5344CB8AC3E}">
+        <p14:creationId xmlns:p14="http://schemas.microsoft.com/office/powerpoint/2010/main" val="1682116763"/>
+      </p:ext>
+    </p:extLst>
+  </p:cSld>
+  <p:clrMapOvr>
+    <a:masterClrMapping/>
+  </p:clrMapOvr>
+</p:sld>
+</file>
+
+<file path=ppt/slides/slide15.xml><?xml version="1.0" encoding="utf-8"?>
+<p:sld xmlns:a="http://schemas.openxmlformats.org/drawingml/2006/main" xmlns:r="http://schemas.openxmlformats.org/officeDocument/2006/relationships" xmlns:p="http://schemas.openxmlformats.org/presentationml/2006/main">
+  <p:cSld>
+    <p:bg>
+      <p:bgPr>
+        <a:solidFill>
+          <a:schemeClr val="accent1">
+            <a:lumMod val="40000"/>
+            <a:lumOff val="60000"/>
+          </a:schemeClr>
+        </a:solidFill>
+        <a:effectLst/>
+      </p:bgPr>
+    </p:bg>
+    <p:spTree>
+      <p:nvGrpSpPr>
+        <p:cNvPr id="1" name=""/>
+        <p:cNvGrpSpPr/>
+        <p:nvPr/>
+      </p:nvGrpSpPr>
+      <p:grpSpPr>
+        <a:xfrm>
+          <a:off x="0" y="0"/>
+          <a:ext cx="0" cy="0"/>
+          <a:chOff x="0" y="0"/>
+          <a:chExt cx="0" cy="0"/>
+        </a:xfrm>
+      </p:grpSpPr>
+      <p:sp>
+        <p:nvSpPr>
+          <p:cNvPr id="2" name="Cím 1">
+            <a:extLst>
+              <a:ext uri="{FF2B5EF4-FFF2-40B4-BE49-F238E27FC236}">
+                <a16:creationId xmlns:a16="http://schemas.microsoft.com/office/drawing/2014/main" id="{91A37EB0-B7A5-46DD-AD8A-EEEB4F602DE0}"/>
+              </a:ext>
+            </a:extLst>
+          </p:cNvPr>
+          <p:cNvSpPr>
+            <a:spLocks noGrp="1"/>
+          </p:cNvSpPr>
+          <p:nvPr>
+            <p:ph type="title"/>
+          </p:nvPr>
+        </p:nvSpPr>
+        <p:spPr>
+          <a:xfrm>
+            <a:off x="1371600" y="685800"/>
+            <a:ext cx="9601200" cy="991998"/>
+          </a:xfrm>
+        </p:spPr>
+        <p:txBody>
+          <a:bodyPr/>
+          <a:lstStyle/>
+          <a:p>
+            <a:r>
+              <a:rPr lang="hu-HU" sz="3600" dirty="0" err="1"/>
+              <a:t>Reszponzivitás</a:t>
+            </a:r>
+            <a:endParaRPr lang="hu-HU" dirty="0"/>
+          </a:p>
+        </p:txBody>
+      </p:sp>
+      <p:sp>
+        <p:nvSpPr>
+          <p:cNvPr id="3" name="Tartalom helye 2">
+            <a:extLst>
+              <a:ext uri="{FF2B5EF4-FFF2-40B4-BE49-F238E27FC236}">
+                <a16:creationId xmlns:a16="http://schemas.microsoft.com/office/drawing/2014/main" id="{C4B0B004-C23D-471E-B0CF-D420DDAAB20C}"/>
+              </a:ext>
+            </a:extLst>
+          </p:cNvPr>
+          <p:cNvSpPr>
+            <a:spLocks noGrp="1"/>
+          </p:cNvSpPr>
+          <p:nvPr>
+            <p:ph idx="1"/>
+          </p:nvPr>
+        </p:nvSpPr>
+        <p:spPr>
+          <a:xfrm>
+            <a:off x="1371600" y="2508308"/>
+            <a:ext cx="4632121" cy="2055303"/>
+          </a:xfrm>
+        </p:spPr>
+        <p:txBody>
+          <a:bodyPr/>
+          <a:lstStyle/>
+          <a:p>
+            <a:pPr marL="0" indent="0" algn="just">
+              <a:buNone/>
+            </a:pPr>
+            <a:r>
+              <a:rPr lang="hu-HU" dirty="0"/>
+              <a:t>Az oldal teljesítményét optimalizáltuk mobil eszközökre is, hogy a felhasználók könnyen és zavartalanul böngészhessek és használhassák az oldalt kisebb képernyőméretek esetén is. </a:t>
+            </a:r>
+          </a:p>
+        </p:txBody>
+      </p:sp>
+      <p:pic>
+        <p:nvPicPr>
+          <p:cNvPr id="7" name="Kép 6">
+            <a:extLst>
+              <a:ext uri="{FF2B5EF4-FFF2-40B4-BE49-F238E27FC236}">
+                <a16:creationId xmlns:a16="http://schemas.microsoft.com/office/drawing/2014/main" id="{F9ADFEE4-049B-4989-ADE3-9B8A82D8C650}"/>
+              </a:ext>
+            </a:extLst>
+          </p:cNvPr>
+          <p:cNvPicPr>
+            <a:picLocks noChangeAspect="1"/>
+          </p:cNvPicPr>
+          <p:nvPr/>
+        </p:nvPicPr>
+        <p:blipFill>
+          <a:blip r:embed="rId2"/>
+          <a:stretch>
+            <a:fillRect/>
+          </a:stretch>
+        </p:blipFill>
+        <p:spPr>
+          <a:xfrm>
+            <a:off x="6247002" y="526407"/>
+            <a:ext cx="2664214" cy="5805182"/>
+          </a:xfrm>
+          <a:prstGeom prst="rect">
+            <a:avLst/>
+          </a:prstGeom>
+        </p:spPr>
+      </p:pic>
+      <p:pic>
+        <p:nvPicPr>
+          <p:cNvPr id="8" name="Kép 7">
+            <a:extLst>
+              <a:ext uri="{FF2B5EF4-FFF2-40B4-BE49-F238E27FC236}">
+                <a16:creationId xmlns:a16="http://schemas.microsoft.com/office/drawing/2014/main" id="{9F6D8D01-1782-4308-BEA0-DE3779B56149}"/>
+              </a:ext>
+            </a:extLst>
+          </p:cNvPr>
+          <p:cNvPicPr>
+            <a:picLocks noChangeAspect="1"/>
+          </p:cNvPicPr>
+          <p:nvPr/>
+        </p:nvPicPr>
+        <p:blipFill>
+          <a:blip r:embed="rId3"/>
+          <a:stretch>
+            <a:fillRect/>
+          </a:stretch>
+        </p:blipFill>
+        <p:spPr>
+          <a:xfrm>
+            <a:off x="9154497" y="526407"/>
+            <a:ext cx="2638719" cy="5805181"/>
+          </a:xfrm>
+          <a:prstGeom prst="rect">
+            <a:avLst/>
+          </a:prstGeom>
+        </p:spPr>
+      </p:pic>
+    </p:spTree>
+    <p:extLst>
+      <p:ext uri="{BB962C8B-B14F-4D97-AF65-F5344CB8AC3E}">
+        <p14:creationId xmlns:p14="http://schemas.microsoft.com/office/powerpoint/2010/main" val="213496548"/>
+      </p:ext>
+    </p:extLst>
+  </p:cSld>
+  <p:clrMapOvr>
+    <a:masterClrMapping/>
+  </p:clrMapOvr>
+</p:sld>
+</file>
+
+<file path=ppt/slides/slide16.xml><?xml version="1.0" encoding="utf-8"?>
+<p:sld xmlns:a="http://schemas.openxmlformats.org/drawingml/2006/main" xmlns:r="http://schemas.openxmlformats.org/officeDocument/2006/relationships" xmlns:p="http://schemas.openxmlformats.org/presentationml/2006/main">
+  <p:cSld>
+    <p:bg>
+      <p:bgPr>
+        <a:solidFill>
+          <a:schemeClr val="accent1">
+            <a:lumMod val="40000"/>
+            <a:lumOff val="60000"/>
+          </a:schemeClr>
+        </a:solidFill>
+        <a:effectLst/>
+      </p:bgPr>
+    </p:bg>
+    <p:spTree>
+      <p:nvGrpSpPr>
+        <p:cNvPr id="1" name=""/>
+        <p:cNvGrpSpPr/>
+        <p:nvPr/>
+      </p:nvGrpSpPr>
+      <p:grpSpPr>
+        <a:xfrm>
+          <a:off x="0" y="0"/>
+          <a:ext cx="0" cy="0"/>
+          <a:chOff x="0" y="0"/>
+          <a:chExt cx="0" cy="0"/>
+        </a:xfrm>
+      </p:grpSpPr>
+      <p:sp>
+        <p:nvSpPr>
+          <p:cNvPr id="2" name="Cím 1">
+            <a:extLst>
+              <a:ext uri="{FF2B5EF4-FFF2-40B4-BE49-F238E27FC236}">
+                <a16:creationId xmlns:a16="http://schemas.microsoft.com/office/drawing/2014/main" id="{853801E4-D13A-4E2E-B62C-EF657E8766D5}"/>
+              </a:ext>
+            </a:extLst>
+          </p:cNvPr>
+          <p:cNvSpPr>
+            <a:spLocks noGrp="1"/>
+          </p:cNvSpPr>
+          <p:nvPr>
+            <p:ph type="title"/>
+          </p:nvPr>
+        </p:nvSpPr>
+        <p:spPr>
+          <a:xfrm>
+            <a:off x="1136009" y="2958168"/>
+            <a:ext cx="9601200" cy="941664"/>
+          </a:xfrm>
+        </p:spPr>
+        <p:txBody>
+          <a:bodyPr>
+            <a:normAutofit/>
+          </a:bodyPr>
+          <a:lstStyle/>
+          <a:p>
+            <a:r>
+              <a:rPr lang="hu-HU" sz="3600" dirty="0"/>
+              <a:t>Tesztvezetés</a:t>
+            </a:r>
+          </a:p>
+        </p:txBody>
+      </p:sp>
+      <p:pic>
+        <p:nvPicPr>
+          <p:cNvPr id="4" name="Kép 3">
+            <a:extLst>
+              <a:ext uri="{FF2B5EF4-FFF2-40B4-BE49-F238E27FC236}">
+                <a16:creationId xmlns:a16="http://schemas.microsoft.com/office/drawing/2014/main" id="{F0768B9B-DD34-4EAC-BF78-49B3ABC261B9}"/>
+              </a:ext>
+            </a:extLst>
+          </p:cNvPr>
+          <p:cNvPicPr>
+            <a:picLocks noChangeAspect="1"/>
+          </p:cNvPicPr>
+          <p:nvPr/>
+        </p:nvPicPr>
+        <p:blipFill>
+          <a:blip r:embed="rId2"/>
+          <a:stretch>
+            <a:fillRect/>
+          </a:stretch>
+        </p:blipFill>
+        <p:spPr>
+          <a:xfrm>
+            <a:off x="4513277" y="485600"/>
+            <a:ext cx="6727772" cy="5886800"/>
+          </a:xfrm>
+          <a:prstGeom prst="rect">
+            <a:avLst/>
+          </a:prstGeom>
+        </p:spPr>
+      </p:pic>
+    </p:spTree>
+    <p:extLst>
+      <p:ext uri="{BB962C8B-B14F-4D97-AF65-F5344CB8AC3E}">
+        <p14:creationId xmlns:p14="http://schemas.microsoft.com/office/powerpoint/2010/main" val="4005138028"/>
+      </p:ext>
+    </p:extLst>
+  </p:cSld>
+  <p:clrMapOvr>
+    <a:masterClrMapping/>
+  </p:clrMapOvr>
+</p:sld>
+</file>
+
+<file path=ppt/slides/slide17.xml><?xml version="1.0" encoding="utf-8"?>
+<p:sld xmlns:a="http://schemas.openxmlformats.org/drawingml/2006/main" xmlns:r="http://schemas.openxmlformats.org/officeDocument/2006/relationships" xmlns:p="http://schemas.openxmlformats.org/presentationml/2006/main">
+  <p:cSld>
+    <p:bg>
+      <p:bgPr>
+        <a:solidFill>
+          <a:schemeClr val="accent1">
+            <a:lumMod val="40000"/>
+            <a:lumOff val="60000"/>
+          </a:schemeClr>
+        </a:solidFill>
+        <a:effectLst/>
+      </p:bgPr>
+    </p:bg>
+    <p:spTree>
+      <p:nvGrpSpPr>
+        <p:cNvPr id="1" name=""/>
+        <p:cNvGrpSpPr/>
+        <p:nvPr/>
+      </p:nvGrpSpPr>
+      <p:grpSpPr>
+        <a:xfrm>
+          <a:off x="0" y="0"/>
+          <a:ext cx="0" cy="0"/>
+          <a:chOff x="0" y="0"/>
+          <a:chExt cx="0" cy="0"/>
+        </a:xfrm>
+      </p:grpSpPr>
+      <p:sp>
+        <p:nvSpPr>
+          <p:cNvPr id="2" name="Cím 1">
+            <a:extLst>
+              <a:ext uri="{FF2B5EF4-FFF2-40B4-BE49-F238E27FC236}">
+                <a16:creationId xmlns:a16="http://schemas.microsoft.com/office/drawing/2014/main" id="{E9DA872C-DECD-453C-8585-A58442BD39F4}"/>
+              </a:ext>
+            </a:extLst>
+          </p:cNvPr>
+          <p:cNvSpPr>
+            <a:spLocks noGrp="1"/>
+          </p:cNvSpPr>
+          <p:nvPr>
+            <p:ph type="title"/>
+          </p:nvPr>
+        </p:nvSpPr>
+        <p:spPr>
+          <a:xfrm>
+            <a:off x="1133475" y="2947987"/>
+            <a:ext cx="9601200" cy="962025"/>
+          </a:xfrm>
+        </p:spPr>
+        <p:txBody>
+          <a:bodyPr>
+            <a:normAutofit/>
+          </a:bodyPr>
+          <a:lstStyle/>
+          <a:p>
+            <a:r>
+              <a:rPr lang="hu-HU" sz="3600" dirty="0"/>
+              <a:t>Ajánlatkérés</a:t>
+            </a:r>
+          </a:p>
+        </p:txBody>
+      </p:sp>
+      <p:pic>
+        <p:nvPicPr>
+          <p:cNvPr id="4" name="Kép 3">
+            <a:extLst>
+              <a:ext uri="{FF2B5EF4-FFF2-40B4-BE49-F238E27FC236}">
+                <a16:creationId xmlns:a16="http://schemas.microsoft.com/office/drawing/2014/main" id="{5521B465-E8CD-4BCB-AC11-371D12AC8C60}"/>
+              </a:ext>
+            </a:extLst>
+          </p:cNvPr>
+          <p:cNvPicPr>
+            <a:picLocks noChangeAspect="1"/>
+          </p:cNvPicPr>
+          <p:nvPr/>
+        </p:nvPicPr>
+        <p:blipFill>
+          <a:blip r:embed="rId2"/>
+          <a:stretch>
+            <a:fillRect/>
+          </a:stretch>
+        </p:blipFill>
+        <p:spPr>
+          <a:xfrm>
+            <a:off x="4512060" y="517976"/>
+            <a:ext cx="6667746" cy="5822047"/>
+          </a:xfrm>
+          <a:prstGeom prst="rect">
+            <a:avLst/>
+          </a:prstGeom>
+        </p:spPr>
+      </p:pic>
+    </p:spTree>
+    <p:extLst>
+      <p:ext uri="{BB962C8B-B14F-4D97-AF65-F5344CB8AC3E}">
+        <p14:creationId xmlns:p14="http://schemas.microsoft.com/office/powerpoint/2010/main" val="3373460297"/>
+      </p:ext>
+    </p:extLst>
+  </p:cSld>
+  <p:clrMapOvr>
+    <a:masterClrMapping/>
+  </p:clrMapOvr>
+</p:sld>
+</file>
+
+<file path=ppt/slides/slide18.xml><?xml version="1.0" encoding="utf-8"?>
+<p:sld xmlns:a="http://schemas.openxmlformats.org/drawingml/2006/main" xmlns:r="http://schemas.openxmlformats.org/officeDocument/2006/relationships" xmlns:p="http://schemas.openxmlformats.org/presentationml/2006/main">
+  <p:cSld>
+    <p:bg>
+      <p:bgPr>
+        <a:solidFill>
+          <a:schemeClr val="accent1">
+            <a:lumMod val="40000"/>
+            <a:lumOff val="60000"/>
+          </a:schemeClr>
+        </a:solidFill>
+        <a:effectLst/>
+      </p:bgPr>
+    </p:bg>
+    <p:spTree>
+      <p:nvGrpSpPr>
+        <p:cNvPr id="1" name=""/>
+        <p:cNvGrpSpPr/>
+        <p:nvPr/>
+      </p:nvGrpSpPr>
+      <p:grpSpPr>
+        <a:xfrm>
+          <a:off x="0" y="0"/>
+          <a:ext cx="0" cy="0"/>
+          <a:chOff x="0" y="0"/>
+          <a:chExt cx="0" cy="0"/>
+        </a:xfrm>
+      </p:grpSpPr>
+      <p:sp>
+        <p:nvSpPr>
+          <p:cNvPr id="2" name="Cím 1">
+            <a:extLst>
+              <a:ext uri="{FF2B5EF4-FFF2-40B4-BE49-F238E27FC236}">
+                <a16:creationId xmlns:a16="http://schemas.microsoft.com/office/drawing/2014/main" id="{25988E59-D61A-4961-8A4F-C58D8E67FBBA}"/>
+              </a:ext>
+            </a:extLst>
+          </p:cNvPr>
+          <p:cNvSpPr>
+            <a:spLocks noGrp="1"/>
+          </p:cNvSpPr>
+          <p:nvPr>
+            <p:ph type="title"/>
+          </p:nvPr>
+        </p:nvSpPr>
+        <p:spPr>
+          <a:xfrm>
+            <a:off x="1153487" y="3029474"/>
+            <a:ext cx="9601200" cy="799051"/>
+          </a:xfrm>
+        </p:spPr>
+        <p:txBody>
+          <a:bodyPr>
+            <a:normAutofit/>
+          </a:bodyPr>
+          <a:lstStyle/>
+          <a:p>
+            <a:r>
+              <a:rPr lang="hu-HU" sz="3600" dirty="0"/>
+              <a:t>Vélemények</a:t>
+            </a:r>
+          </a:p>
+        </p:txBody>
+      </p:sp>
+      <p:pic>
+        <p:nvPicPr>
+          <p:cNvPr id="4" name="Kép 3">
+            <a:extLst>
+              <a:ext uri="{FF2B5EF4-FFF2-40B4-BE49-F238E27FC236}">
+                <a16:creationId xmlns:a16="http://schemas.microsoft.com/office/drawing/2014/main" id="{58EF68A6-405F-4890-B60B-DC59DDB24444}"/>
+              </a:ext>
+            </a:extLst>
+          </p:cNvPr>
+          <p:cNvPicPr>
+            <a:picLocks noChangeAspect="1"/>
+          </p:cNvPicPr>
+          <p:nvPr/>
+        </p:nvPicPr>
+        <p:blipFill>
+          <a:blip r:embed="rId2"/>
+          <a:stretch>
+            <a:fillRect/>
+          </a:stretch>
+        </p:blipFill>
+        <p:spPr>
+          <a:xfrm>
+            <a:off x="3880543" y="896317"/>
+            <a:ext cx="7967329" cy="5065365"/>
+          </a:xfrm>
+          <a:prstGeom prst="rect">
+            <a:avLst/>
+          </a:prstGeom>
+        </p:spPr>
+      </p:pic>
+    </p:spTree>
+    <p:extLst>
+      <p:ext uri="{BB962C8B-B14F-4D97-AF65-F5344CB8AC3E}">
+        <p14:creationId xmlns:p14="http://schemas.microsoft.com/office/powerpoint/2010/main" val="950341212"/>
+      </p:ext>
+    </p:extLst>
+  </p:cSld>
+  <p:clrMapOvr>
+    <a:masterClrMapping/>
+  </p:clrMapOvr>
+</p:sld>
+</file>
+
+<file path=ppt/slides/slide19.xml><?xml version="1.0" encoding="utf-8"?>
+<p:sld xmlns:a="http://schemas.openxmlformats.org/drawingml/2006/main" xmlns:r="http://schemas.openxmlformats.org/officeDocument/2006/relationships" xmlns:p="http://schemas.openxmlformats.org/presentationml/2006/main">
+  <p:cSld>
+    <p:bg>
+      <p:bgPr>
+        <a:solidFill>
+          <a:schemeClr val="accent1">
+            <a:lumMod val="40000"/>
+            <a:lumOff val="60000"/>
+          </a:schemeClr>
+        </a:solidFill>
+        <a:effectLst/>
+      </p:bgPr>
+    </p:bg>
+    <p:spTree>
+      <p:nvGrpSpPr>
+        <p:cNvPr id="1" name=""/>
+        <p:cNvGrpSpPr/>
+        <p:nvPr/>
+      </p:nvGrpSpPr>
+      <p:grpSpPr>
+        <a:xfrm>
+          <a:off x="0" y="0"/>
+          <a:ext cx="0" cy="0"/>
+          <a:chOff x="0" y="0"/>
+          <a:chExt cx="0" cy="0"/>
+        </a:xfrm>
+      </p:grpSpPr>
+      <p:sp>
+        <p:nvSpPr>
+          <p:cNvPr id="2" name="Cím 1">
+            <a:extLst>
+              <a:ext uri="{FF2B5EF4-FFF2-40B4-BE49-F238E27FC236}">
+                <a16:creationId xmlns:a16="http://schemas.microsoft.com/office/drawing/2014/main" id="{720DC68F-55BA-4F05-9B3E-A228C97FDA28}"/>
+              </a:ext>
+            </a:extLst>
+          </p:cNvPr>
+          <p:cNvSpPr>
+            <a:spLocks noGrp="1"/>
+          </p:cNvSpPr>
+          <p:nvPr>
+            <p:ph type="title"/>
+          </p:nvPr>
+        </p:nvSpPr>
+        <p:spPr>
+          <a:xfrm>
+            <a:off x="1061207" y="667972"/>
+            <a:ext cx="9601200" cy="757107"/>
+          </a:xfrm>
+        </p:spPr>
+        <p:txBody>
+          <a:bodyPr>
+            <a:normAutofit/>
+          </a:bodyPr>
+          <a:lstStyle/>
+          <a:p>
+            <a:r>
+              <a:rPr lang="hu-HU" sz="3600" dirty="0"/>
+              <a:t>Kosár</a:t>
+            </a:r>
+          </a:p>
+        </p:txBody>
+      </p:sp>
+      <p:pic>
+        <p:nvPicPr>
+          <p:cNvPr id="4" name="Kép 3">
+            <a:extLst>
+              <a:ext uri="{FF2B5EF4-FFF2-40B4-BE49-F238E27FC236}">
+                <a16:creationId xmlns:a16="http://schemas.microsoft.com/office/drawing/2014/main" id="{9F65A686-C581-4932-A7C1-EF637ADACCE7}"/>
+              </a:ext>
+            </a:extLst>
+          </p:cNvPr>
+          <p:cNvPicPr>
+            <a:picLocks noChangeAspect="1"/>
+          </p:cNvPicPr>
+          <p:nvPr/>
+        </p:nvPicPr>
+        <p:blipFill>
+          <a:blip r:embed="rId2"/>
+          <a:stretch>
+            <a:fillRect/>
+          </a:stretch>
+        </p:blipFill>
+        <p:spPr>
+          <a:xfrm>
+            <a:off x="1394366" y="1469021"/>
+            <a:ext cx="9403267" cy="3919958"/>
+          </a:xfrm>
+          <a:prstGeom prst="rect">
+            <a:avLst/>
+          </a:prstGeom>
+        </p:spPr>
+      </p:pic>
+    </p:spTree>
+    <p:extLst>
+      <p:ext uri="{BB962C8B-B14F-4D97-AF65-F5344CB8AC3E}">
+        <p14:creationId xmlns:p14="http://schemas.microsoft.com/office/powerpoint/2010/main" val="104965032"/>
+      </p:ext>
+    </p:extLst>
+  </p:cSld>
+  <p:clrMapOvr>
+    <a:masterClrMapping/>
+  </p:clrMapOvr>
+</p:sld>
+</file>
+
+<file path=ppt/slides/slide2.xml><?xml version="1.0" encoding="utf-8"?>
+<p:sld xmlns:a="http://schemas.openxmlformats.org/drawingml/2006/main" xmlns:r="http://schemas.openxmlformats.org/officeDocument/2006/relationships" xmlns:p="http://schemas.openxmlformats.org/presentationml/2006/main">
+  <p:cSld>
+    <p:bg>
+      <p:bgPr>
+        <a:solidFill>
+          <a:schemeClr val="accent1">
+            <a:lumMod val="40000"/>
+            <a:lumOff val="60000"/>
+          </a:schemeClr>
+        </a:solidFill>
+        <a:effectLst/>
+      </p:bgPr>
+    </p:bg>
+    <p:spTree>
+      <p:nvGrpSpPr>
+        <p:cNvPr id="1" name=""/>
+        <p:cNvGrpSpPr/>
+        <p:nvPr/>
+      </p:nvGrpSpPr>
+      <p:grpSpPr>
+        <a:xfrm>
+          <a:off x="0" y="0"/>
+          <a:ext cx="0" cy="0"/>
+          <a:chOff x="0" y="0"/>
+          <a:chExt cx="0" cy="0"/>
+        </a:xfrm>
+      </p:grpSpPr>
+      <p:sp>
+        <p:nvSpPr>
+          <p:cNvPr id="2" name="Cím 1">
+            <a:extLst>
+              <a:ext uri="{FF2B5EF4-FFF2-40B4-BE49-F238E27FC236}">
+                <a16:creationId xmlns:a16="http://schemas.microsoft.com/office/drawing/2014/main" id="{C10B6D0C-3056-4A0E-B678-EAE1FF76D736}"/>
+              </a:ext>
+            </a:extLst>
+          </p:cNvPr>
+          <p:cNvSpPr>
+            <a:spLocks noGrp="1"/>
+          </p:cNvSpPr>
+          <p:nvPr>
+            <p:ph type="title"/>
+          </p:nvPr>
+        </p:nvSpPr>
+        <p:spPr>
+          <a:xfrm>
+            <a:off x="1371600" y="685800"/>
+            <a:ext cx="9601200" cy="916497"/>
+          </a:xfrm>
+        </p:spPr>
+        <p:txBody>
+          <a:bodyPr>
+            <a:normAutofit/>
+          </a:bodyPr>
+          <a:lstStyle/>
+          <a:p>
+            <a:r>
+              <a:rPr lang="hu-HU" sz="3600" dirty="0"/>
+              <a:t>Téma választás</a:t>
+            </a:r>
+          </a:p>
+        </p:txBody>
+      </p:sp>
+      <p:sp>
+        <p:nvSpPr>
+          <p:cNvPr id="3" name="Tartalom helye 2">
+            <a:extLst>
+              <a:ext uri="{FF2B5EF4-FFF2-40B4-BE49-F238E27FC236}">
+                <a16:creationId xmlns:a16="http://schemas.microsoft.com/office/drawing/2014/main" id="{35C54FE1-54AA-40E7-B54D-22A1D2DFBEFF}"/>
+              </a:ext>
+            </a:extLst>
+          </p:cNvPr>
+          <p:cNvSpPr>
+            <a:spLocks noGrp="1"/>
+          </p:cNvSpPr>
+          <p:nvPr>
+            <p:ph idx="1"/>
+          </p:nvPr>
+        </p:nvSpPr>
+        <p:spPr>
+          <a:xfrm>
+            <a:off x="1371600" y="2592198"/>
+            <a:ext cx="9601200" cy="3384259"/>
+          </a:xfrm>
+        </p:spPr>
+        <p:txBody>
+          <a:bodyPr/>
+          <a:lstStyle/>
+          <a:p>
+            <a:pPr marL="0" indent="0" algn="ctr">
+              <a:buNone/>
+            </a:pPr>
+            <a:r>
+              <a:rPr lang="hu-HU" dirty="0"/>
+              <a:t>A sétarepülés témát választottuk weboldalkészítésünk </a:t>
+            </a:r>
+            <a:r>
+              <a:rPr lang="hu-HU" dirty="0" err="1"/>
+              <a:t>fókuszául</a:t>
+            </a:r>
+            <a:r>
+              <a:rPr lang="hu-HU" dirty="0"/>
+              <a:t>, mert hiszünk abban, hogy ez az élmény egyedülálló lehetőséget nyújt a szabadság és kaland iránt érdeklődők számára, valamint izgalmas és emlékezetes élményt biztosít mindenkinek, aki részt vesz benne.</a:t>
+            </a:r>
+          </a:p>
+          <a:p>
+            <a:pPr marL="0" indent="0">
+              <a:buNone/>
+            </a:pPr>
+            <a:endParaRPr lang="hu-HU" dirty="0"/>
+          </a:p>
+        </p:txBody>
+      </p:sp>
+    </p:spTree>
+    <p:extLst>
+      <p:ext uri="{BB962C8B-B14F-4D97-AF65-F5344CB8AC3E}">
+        <p14:creationId xmlns:p14="http://schemas.microsoft.com/office/powerpoint/2010/main" val="4091095233"/>
+      </p:ext>
+    </p:extLst>
+  </p:cSld>
+  <p:clrMapOvr>
+    <a:masterClrMapping/>
+  </p:clrMapOvr>
+</p:sld>
+</file>
+
+<file path=ppt/slides/slide20.xml><?xml version="1.0" encoding="utf-8"?>
+<p:sld xmlns:a="http://schemas.openxmlformats.org/drawingml/2006/main" xmlns:r="http://schemas.openxmlformats.org/officeDocument/2006/relationships" xmlns:p="http://schemas.openxmlformats.org/presentationml/2006/main">
+  <p:cSld>
+    <p:bg>
+      <p:bgPr>
+        <a:solidFill>
+          <a:schemeClr val="accent1">
+            <a:lumMod val="40000"/>
+            <a:lumOff val="60000"/>
+          </a:schemeClr>
+        </a:solidFill>
+        <a:effectLst/>
+      </p:bgPr>
+    </p:bg>
+    <p:spTree>
+      <p:nvGrpSpPr>
+        <p:cNvPr id="1" name=""/>
+        <p:cNvGrpSpPr/>
+        <p:nvPr/>
+      </p:nvGrpSpPr>
+      <p:grpSpPr>
+        <a:xfrm>
+          <a:off x="0" y="0"/>
+          <a:ext cx="0" cy="0"/>
+          <a:chOff x="0" y="0"/>
+          <a:chExt cx="0" cy="0"/>
+        </a:xfrm>
+      </p:grpSpPr>
+      <p:sp>
+        <p:nvSpPr>
+          <p:cNvPr id="2" name="Cím 1">
+            <a:extLst>
+              <a:ext uri="{FF2B5EF4-FFF2-40B4-BE49-F238E27FC236}">
+                <a16:creationId xmlns:a16="http://schemas.microsoft.com/office/drawing/2014/main" id="{31AC1B8E-9D7B-4F3C-8F11-0D1756B3726B}"/>
+              </a:ext>
+            </a:extLst>
+          </p:cNvPr>
+          <p:cNvSpPr>
+            <a:spLocks noGrp="1"/>
+          </p:cNvSpPr>
+          <p:nvPr>
+            <p:ph type="title"/>
+          </p:nvPr>
+        </p:nvSpPr>
+        <p:spPr>
+          <a:xfrm>
+            <a:off x="3238500" y="2981325"/>
+            <a:ext cx="5715000" cy="895350"/>
+          </a:xfrm>
+        </p:spPr>
+        <p:txBody>
+          <a:bodyPr/>
+          <a:lstStyle/>
+          <a:p>
+            <a:r>
+              <a:rPr lang="hu-HU" dirty="0"/>
+              <a:t>Köszönjük a figyelmet!</a:t>
+            </a:r>
+          </a:p>
+        </p:txBody>
+      </p:sp>
+    </p:spTree>
+    <p:extLst>
+      <p:ext uri="{BB962C8B-B14F-4D97-AF65-F5344CB8AC3E}">
+        <p14:creationId xmlns:p14="http://schemas.microsoft.com/office/powerpoint/2010/main" val="1618581125"/>
+      </p:ext>
+    </p:extLst>
+  </p:cSld>
+  <p:clrMapOvr>
+    <a:masterClrMapping/>
+  </p:clrMapOvr>
+</p:sld>
+</file>
+
+<file path=ppt/slides/slide3.xml><?xml version="1.0" encoding="utf-8"?>
+<p:sld xmlns:a="http://schemas.openxmlformats.org/drawingml/2006/main" xmlns:r="http://schemas.openxmlformats.org/officeDocument/2006/relationships" xmlns:p="http://schemas.openxmlformats.org/presentationml/2006/main">
+  <p:cSld>
+    <p:bg>
+      <p:bgPr>
+        <a:solidFill>
+          <a:schemeClr val="accent1">
+            <a:lumMod val="40000"/>
+            <a:lumOff val="60000"/>
+          </a:schemeClr>
+        </a:solidFill>
+        <a:effectLst/>
+      </p:bgPr>
+    </p:bg>
+    <p:spTree>
+      <p:nvGrpSpPr>
+        <p:cNvPr id="1" name=""/>
+        <p:cNvGrpSpPr/>
+        <p:nvPr/>
+      </p:nvGrpSpPr>
+      <p:grpSpPr>
+        <a:xfrm>
+          <a:off x="0" y="0"/>
+          <a:ext cx="0" cy="0"/>
+          <a:chOff x="0" y="0"/>
+          <a:chExt cx="0" cy="0"/>
+        </a:xfrm>
+      </p:grpSpPr>
+      <p:sp>
+        <p:nvSpPr>
+          <p:cNvPr id="2" name="Cím 1">
+            <a:extLst>
+              <a:ext uri="{FF2B5EF4-FFF2-40B4-BE49-F238E27FC236}">
                 <a16:creationId xmlns:a16="http://schemas.microsoft.com/office/drawing/2014/main" id="{CEC6E7C0-7121-4EC1-B8CE-DA2030A87064}"/>
               </a:ext>
             </a:extLst>
@@ -4240,7 +5666,7 @@
         </p:nvSpPr>
         <p:spPr>
           <a:xfrm>
-            <a:off x="6277761" y="1805030"/>
+            <a:off x="6096000" y="2283376"/>
             <a:ext cx="5206767" cy="4214769"/>
           </a:xfrm>
         </p:spPr>
@@ -4377,7 +5803,7 @@
         </p:nvSpPr>
         <p:spPr>
           <a:xfrm>
-            <a:off x="1524000" y="1805031"/>
+            <a:off x="1494639" y="2283377"/>
             <a:ext cx="4601361" cy="4214769"/>
           </a:xfrm>
           <a:prstGeom prst="rect">
@@ -4735,10 +6161,1628 @@
           </a:p>
         </p:txBody>
       </p:sp>
+      <p:pic>
+        <p:nvPicPr>
+          <p:cNvPr id="1026" name="Picture 2" descr="GitHub — A Beginner's Introduction | by Thiago Marsal Farias | Medium">
+            <a:extLst>
+              <a:ext uri="{FF2B5EF4-FFF2-40B4-BE49-F238E27FC236}">
+                <a16:creationId xmlns:a16="http://schemas.microsoft.com/office/drawing/2014/main" id="{E244A270-9926-4535-9AE8-753CCB3D9E42}"/>
+              </a:ext>
+            </a:extLst>
+          </p:cNvPr>
+          <p:cNvPicPr>
+            <a:picLocks noChangeAspect="1" noChangeArrowheads="1"/>
+          </p:cNvPicPr>
+          <p:nvPr/>
+        </p:nvPicPr>
+        <p:blipFill>
+          <a:blip r:embed="rId5">
+            <a:extLst>
+              <a:ext uri="{28A0092B-C50C-407E-A947-70E740481C1C}">
+                <a14:useLocalDpi xmlns:a14="http://schemas.microsoft.com/office/drawing/2010/main" val="0"/>
+              </a:ext>
+            </a:extLst>
+          </a:blip>
+          <a:srcRect/>
+          <a:stretch>
+            <a:fillRect/>
+          </a:stretch>
+        </p:blipFill>
+        <p:spPr bwMode="auto">
+          <a:xfrm>
+            <a:off x="6851945" y="4903224"/>
+            <a:ext cx="3071811" cy="1138618"/>
+          </a:xfrm>
+          <a:prstGeom prst="rect">
+            <a:avLst/>
+          </a:prstGeom>
+          <a:noFill/>
+          <a:extLst>
+            <a:ext uri="{909E8E84-426E-40DD-AFC4-6F175D3DCCD1}">
+              <a14:hiddenFill xmlns:a14="http://schemas.microsoft.com/office/drawing/2010/main">
+                <a:solidFill>
+                  <a:srgbClr val="FFFFFF"/>
+                </a:solidFill>
+              </a14:hiddenFill>
+            </a:ext>
+          </a:extLst>
+        </p:spPr>
+      </p:pic>
+      <p:pic>
+        <p:nvPicPr>
+          <p:cNvPr id="1028" name="Picture 4" descr="Fájl:Trello-logo-blue.svg – Wikipédia">
+            <a:extLst>
+              <a:ext uri="{FF2B5EF4-FFF2-40B4-BE49-F238E27FC236}">
+                <a16:creationId xmlns:a16="http://schemas.microsoft.com/office/drawing/2014/main" id="{3E20803A-4D8C-43B1-8F91-EC3D7A58EDCD}"/>
+              </a:ext>
+            </a:extLst>
+          </p:cNvPr>
+          <p:cNvPicPr>
+            <a:picLocks noChangeAspect="1" noChangeArrowheads="1"/>
+          </p:cNvPicPr>
+          <p:nvPr/>
+        </p:nvPicPr>
+        <p:blipFill>
+          <a:blip r:embed="rId6">
+            <a:extLst>
+              <a:ext uri="{28A0092B-C50C-407E-A947-70E740481C1C}">
+                <a14:useLocalDpi xmlns:a14="http://schemas.microsoft.com/office/drawing/2010/main" val="0"/>
+              </a:ext>
+            </a:extLst>
+          </a:blip>
+          <a:srcRect/>
+          <a:stretch>
+            <a:fillRect/>
+          </a:stretch>
+        </p:blipFill>
+        <p:spPr bwMode="auto">
+          <a:xfrm>
+            <a:off x="2424147" y="5253054"/>
+            <a:ext cx="2140442" cy="438958"/>
+          </a:xfrm>
+          <a:prstGeom prst="rect">
+            <a:avLst/>
+          </a:prstGeom>
+          <a:noFill/>
+          <a:extLst>
+            <a:ext uri="{909E8E84-426E-40DD-AFC4-6F175D3DCCD1}">
+              <a14:hiddenFill xmlns:a14="http://schemas.microsoft.com/office/drawing/2010/main">
+                <a:solidFill>
+                  <a:srgbClr val="FFFFFF"/>
+                </a:solidFill>
+              </a14:hiddenFill>
+            </a:ext>
+          </a:extLst>
+        </p:spPr>
+      </p:pic>
     </p:spTree>
     <p:extLst>
       <p:ext uri="{BB962C8B-B14F-4D97-AF65-F5344CB8AC3E}">
         <p14:creationId xmlns:p14="http://schemas.microsoft.com/office/powerpoint/2010/main" val="3225538182"/>
+      </p:ext>
+    </p:extLst>
+  </p:cSld>
+  <p:clrMapOvr>
+    <a:masterClrMapping/>
+  </p:clrMapOvr>
+</p:sld>
+</file>
+
+<file path=ppt/slides/slide4.xml><?xml version="1.0" encoding="utf-8"?>
+<p:sld xmlns:a="http://schemas.openxmlformats.org/drawingml/2006/main" xmlns:r="http://schemas.openxmlformats.org/officeDocument/2006/relationships" xmlns:p="http://schemas.openxmlformats.org/presentationml/2006/main">
+  <p:cSld>
+    <p:bg>
+      <p:bgPr>
+        <a:solidFill>
+          <a:schemeClr val="accent1">
+            <a:lumMod val="40000"/>
+            <a:lumOff val="60000"/>
+          </a:schemeClr>
+        </a:solidFill>
+        <a:effectLst/>
+      </p:bgPr>
+    </p:bg>
+    <p:spTree>
+      <p:nvGrpSpPr>
+        <p:cNvPr id="1" name=""/>
+        <p:cNvGrpSpPr/>
+        <p:nvPr/>
+      </p:nvGrpSpPr>
+      <p:grpSpPr>
+        <a:xfrm>
+          <a:off x="0" y="0"/>
+          <a:ext cx="0" cy="0"/>
+          <a:chOff x="0" y="0"/>
+          <a:chExt cx="0" cy="0"/>
+        </a:xfrm>
+      </p:grpSpPr>
+      <p:sp>
+        <p:nvSpPr>
+          <p:cNvPr id="3" name="Tartalom helye 2">
+            <a:extLst>
+              <a:ext uri="{FF2B5EF4-FFF2-40B4-BE49-F238E27FC236}">
+                <a16:creationId xmlns:a16="http://schemas.microsoft.com/office/drawing/2014/main" id="{EAB7A990-A76C-4F53-8811-3999545B9429}"/>
+              </a:ext>
+            </a:extLst>
+          </p:cNvPr>
+          <p:cNvSpPr>
+            <a:spLocks noGrp="1"/>
+          </p:cNvSpPr>
+          <p:nvPr>
+            <p:ph idx="1"/>
+          </p:nvPr>
+        </p:nvSpPr>
+        <p:spPr>
+          <a:xfrm>
+            <a:off x="1371600" y="864066"/>
+            <a:ext cx="4341303" cy="5003334"/>
+          </a:xfrm>
+        </p:spPr>
+        <p:txBody>
+          <a:bodyPr/>
+          <a:lstStyle/>
+          <a:p>
+            <a:pPr marL="0" indent="0">
+              <a:buNone/>
+            </a:pPr>
+            <a:r>
+              <a:rPr lang="hu-HU" dirty="0"/>
+              <a:t>Képkompresszió:</a:t>
+            </a:r>
+          </a:p>
+          <a:p>
+            <a:r>
+              <a:rPr lang="hu-HU" dirty="0"/>
+              <a:t>GIMP 2.10.32</a:t>
+            </a:r>
+          </a:p>
+          <a:p>
+            <a:pPr marL="0" indent="0">
+              <a:buNone/>
+            </a:pPr>
+            <a:endParaRPr lang="hu-HU" dirty="0"/>
+          </a:p>
+          <a:p>
+            <a:pPr marL="0" indent="0">
+              <a:buNone/>
+            </a:pPr>
+            <a:r>
+              <a:rPr lang="hu-HU" dirty="0"/>
+              <a:t>Források: </a:t>
+            </a:r>
+          </a:p>
+          <a:p>
+            <a:r>
+              <a:rPr lang="hu-HU" dirty="0"/>
+              <a:t>https://pixabay.com/hu/</a:t>
+            </a:r>
+          </a:p>
+          <a:p>
+            <a:r>
+              <a:rPr lang="hu-HU" dirty="0"/>
+              <a:t>https://unsplash.com/</a:t>
+            </a:r>
+          </a:p>
+          <a:p>
+            <a:r>
+              <a:rPr lang="hu-HU" dirty="0"/>
+              <a:t>https://www.flaticon.com/</a:t>
+            </a:r>
+          </a:p>
+          <a:p>
+            <a:r>
+              <a:rPr lang="hu-HU" dirty="0"/>
+              <a:t>https://www.pexels.com/hu-hu/</a:t>
+            </a:r>
+          </a:p>
+          <a:p>
+            <a:r>
+              <a:rPr lang="hu-HU" dirty="0"/>
+              <a:t>saját képek</a:t>
+            </a:r>
+          </a:p>
+          <a:p>
+            <a:endParaRPr lang="hu-HU" dirty="0"/>
+          </a:p>
+          <a:p>
+            <a:pPr marL="0" indent="0">
+              <a:buNone/>
+            </a:pPr>
+            <a:endParaRPr lang="hu-HU" dirty="0"/>
+          </a:p>
+          <a:p>
+            <a:endParaRPr lang="hu-HU" dirty="0"/>
+          </a:p>
+        </p:txBody>
+      </p:sp>
+      <p:sp>
+        <p:nvSpPr>
+          <p:cNvPr id="4" name="Tartalom helye 2">
+            <a:extLst>
+              <a:ext uri="{FF2B5EF4-FFF2-40B4-BE49-F238E27FC236}">
+                <a16:creationId xmlns:a16="http://schemas.microsoft.com/office/drawing/2014/main" id="{396ECB2F-9A93-464E-BCAF-387251C0DEC4}"/>
+              </a:ext>
+            </a:extLst>
+          </p:cNvPr>
+          <p:cNvSpPr txBox="1">
+            <a:spLocks/>
+          </p:cNvSpPr>
+          <p:nvPr/>
+        </p:nvSpPr>
+        <p:spPr>
+          <a:xfrm>
+            <a:off x="5961777" y="865464"/>
+            <a:ext cx="4341303" cy="5003334"/>
+          </a:xfrm>
+          <a:prstGeom prst="rect">
+            <a:avLst/>
+          </a:prstGeom>
+        </p:spPr>
+        <p:txBody>
+          <a:bodyPr vert="horz" lIns="91440" tIns="45720" rIns="91440" bIns="45720" rtlCol="0">
+            <a:normAutofit/>
+          </a:bodyPr>
+          <a:lstStyle>
+            <a:lvl1pPr marL="384048" indent="-384048" algn="l" defTabSz="914400" rtl="0" eaLnBrk="1" latinLnBrk="0" hangingPunct="1">
+              <a:lnSpc>
+                <a:spcPct val="94000"/>
+              </a:lnSpc>
+              <a:spcBef>
+                <a:spcPts val="1000"/>
+              </a:spcBef>
+              <a:spcAft>
+                <a:spcPts val="200"/>
+              </a:spcAft>
+              <a:buFont typeface="Franklin Gothic Book" panose="020B0503020102020204" pitchFamily="34" charset="0"/>
+              <a:buChar char="■"/>
+              <a:defRPr sz="2000" kern="1200" baseline="0">
+                <a:solidFill>
+                  <a:schemeClr val="tx2"/>
+                </a:solidFill>
+                <a:latin typeface="+mn-lt"/>
+                <a:ea typeface="+mn-ea"/>
+                <a:cs typeface="+mn-cs"/>
+              </a:defRPr>
+            </a:lvl1pPr>
+            <a:lvl2pPr marL="914400" indent="-384048" algn="l" defTabSz="914400" rtl="0" eaLnBrk="1" latinLnBrk="0" hangingPunct="1">
+              <a:lnSpc>
+                <a:spcPct val="94000"/>
+              </a:lnSpc>
+              <a:spcBef>
+                <a:spcPts val="500"/>
+              </a:spcBef>
+              <a:spcAft>
+                <a:spcPts val="200"/>
+              </a:spcAft>
+              <a:buFont typeface="Franklin Gothic Book" panose="020B0503020102020204" pitchFamily="34" charset="0"/>
+              <a:buChar char="–"/>
+              <a:defRPr sz="2000" i="1" kern="1200" baseline="0">
+                <a:solidFill>
+                  <a:schemeClr val="tx2"/>
+                </a:solidFill>
+                <a:latin typeface="+mn-lt"/>
+                <a:ea typeface="+mn-ea"/>
+                <a:cs typeface="+mn-cs"/>
+              </a:defRPr>
+            </a:lvl2pPr>
+            <a:lvl3pPr marL="1371600" indent="-384048" algn="l" defTabSz="914400" rtl="0" eaLnBrk="1" latinLnBrk="0" hangingPunct="1">
+              <a:lnSpc>
+                <a:spcPct val="94000"/>
+              </a:lnSpc>
+              <a:spcBef>
+                <a:spcPts val="500"/>
+              </a:spcBef>
+              <a:spcAft>
+                <a:spcPts val="200"/>
+              </a:spcAft>
+              <a:buFont typeface="Franklin Gothic Book" panose="020B0503020102020204" pitchFamily="34" charset="0"/>
+              <a:buChar char="■"/>
+              <a:defRPr sz="1800" kern="1200" baseline="0">
+                <a:solidFill>
+                  <a:schemeClr val="tx2"/>
+                </a:solidFill>
+                <a:latin typeface="+mn-lt"/>
+                <a:ea typeface="+mn-ea"/>
+                <a:cs typeface="+mn-cs"/>
+              </a:defRPr>
+            </a:lvl3pPr>
+            <a:lvl4pPr marL="1828800" indent="-384048" algn="l" defTabSz="914400" rtl="0" eaLnBrk="1" latinLnBrk="0" hangingPunct="1">
+              <a:lnSpc>
+                <a:spcPct val="94000"/>
+              </a:lnSpc>
+              <a:spcBef>
+                <a:spcPts val="500"/>
+              </a:spcBef>
+              <a:spcAft>
+                <a:spcPts val="200"/>
+              </a:spcAft>
+              <a:buFont typeface="Franklin Gothic Book" panose="020B0503020102020204" pitchFamily="34" charset="0"/>
+              <a:buChar char="–"/>
+              <a:defRPr sz="1800" i="1" kern="1200" baseline="0">
+                <a:solidFill>
+                  <a:schemeClr val="tx2"/>
+                </a:solidFill>
+                <a:latin typeface="+mn-lt"/>
+                <a:ea typeface="+mn-ea"/>
+                <a:cs typeface="+mn-cs"/>
+              </a:defRPr>
+            </a:lvl4pPr>
+            <a:lvl5pPr marL="2286000" indent="-384048" algn="l" defTabSz="914400" rtl="0" eaLnBrk="1" latinLnBrk="0" hangingPunct="1">
+              <a:lnSpc>
+                <a:spcPct val="94000"/>
+              </a:lnSpc>
+              <a:spcBef>
+                <a:spcPts val="500"/>
+              </a:spcBef>
+              <a:spcAft>
+                <a:spcPts val="200"/>
+              </a:spcAft>
+              <a:buFont typeface="Franklin Gothic Book" panose="020B0503020102020204" pitchFamily="34" charset="0"/>
+              <a:buChar char="■"/>
+              <a:defRPr sz="1600" kern="1200" baseline="0">
+                <a:solidFill>
+                  <a:schemeClr val="tx2"/>
+                </a:solidFill>
+                <a:latin typeface="+mn-lt"/>
+                <a:ea typeface="+mn-ea"/>
+                <a:cs typeface="+mn-cs"/>
+              </a:defRPr>
+            </a:lvl5pPr>
+            <a:lvl6pPr marL="2743200" indent="-384048" algn="l" defTabSz="914400" rtl="0" eaLnBrk="1" latinLnBrk="0" hangingPunct="1">
+              <a:lnSpc>
+                <a:spcPct val="94000"/>
+              </a:lnSpc>
+              <a:spcBef>
+                <a:spcPts val="500"/>
+              </a:spcBef>
+              <a:spcAft>
+                <a:spcPts val="200"/>
+              </a:spcAft>
+              <a:buFont typeface="Franklin Gothic Book" panose="020B0503020102020204" pitchFamily="34" charset="0"/>
+              <a:buChar char="–"/>
+              <a:defRPr sz="1600" i="1" kern="1200" baseline="0">
+                <a:solidFill>
+                  <a:schemeClr val="tx2"/>
+                </a:solidFill>
+                <a:latin typeface="+mn-lt"/>
+                <a:ea typeface="+mn-ea"/>
+                <a:cs typeface="+mn-cs"/>
+              </a:defRPr>
+            </a:lvl6pPr>
+            <a:lvl7pPr marL="3200400" indent="-384048" algn="l" defTabSz="914400" rtl="0" eaLnBrk="1" latinLnBrk="0" hangingPunct="1">
+              <a:lnSpc>
+                <a:spcPct val="94000"/>
+              </a:lnSpc>
+              <a:spcBef>
+                <a:spcPts val="500"/>
+              </a:spcBef>
+              <a:spcAft>
+                <a:spcPts val="200"/>
+              </a:spcAft>
+              <a:buFont typeface="Franklin Gothic Book" panose="020B0503020102020204" pitchFamily="34" charset="0"/>
+              <a:buChar char="■"/>
+              <a:defRPr sz="1400" kern="1200" baseline="0">
+                <a:solidFill>
+                  <a:schemeClr val="tx2"/>
+                </a:solidFill>
+                <a:latin typeface="+mn-lt"/>
+                <a:ea typeface="+mn-ea"/>
+                <a:cs typeface="+mn-cs"/>
+              </a:defRPr>
+            </a:lvl7pPr>
+            <a:lvl8pPr marL="3657600" indent="-384048" algn="l" defTabSz="914400" rtl="0" eaLnBrk="1" latinLnBrk="0" hangingPunct="1">
+              <a:lnSpc>
+                <a:spcPct val="94000"/>
+              </a:lnSpc>
+              <a:spcBef>
+                <a:spcPts val="500"/>
+              </a:spcBef>
+              <a:spcAft>
+                <a:spcPts val="200"/>
+              </a:spcAft>
+              <a:buFont typeface="Franklin Gothic Book" panose="020B0503020102020204" pitchFamily="34" charset="0"/>
+              <a:buChar char="–"/>
+              <a:defRPr sz="1400" i="1" kern="1200" baseline="0">
+                <a:solidFill>
+                  <a:schemeClr val="tx2"/>
+                </a:solidFill>
+                <a:latin typeface="+mn-lt"/>
+                <a:ea typeface="+mn-ea"/>
+                <a:cs typeface="+mn-cs"/>
+              </a:defRPr>
+            </a:lvl8pPr>
+            <a:lvl9pPr marL="4114800" indent="-384048" algn="l" defTabSz="914400" rtl="0" eaLnBrk="1" latinLnBrk="0" hangingPunct="1">
+              <a:lnSpc>
+                <a:spcPct val="94000"/>
+              </a:lnSpc>
+              <a:spcBef>
+                <a:spcPts val="500"/>
+              </a:spcBef>
+              <a:spcAft>
+                <a:spcPts val="200"/>
+              </a:spcAft>
+              <a:buFont typeface="Franklin Gothic Book" panose="020B0503020102020204" pitchFamily="34" charset="0"/>
+              <a:buChar char="■"/>
+              <a:defRPr sz="1400" kern="1200" baseline="0">
+                <a:solidFill>
+                  <a:schemeClr val="tx2"/>
+                </a:solidFill>
+                <a:latin typeface="+mn-lt"/>
+                <a:ea typeface="+mn-ea"/>
+                <a:cs typeface="+mn-cs"/>
+              </a:defRPr>
+            </a:lvl9pPr>
+          </a:lstStyle>
+          <a:p>
+            <a:pPr marL="0" indent="0">
+              <a:buFont typeface="Franklin Gothic Book" panose="020B0503020102020204" pitchFamily="34" charset="0"/>
+              <a:buNone/>
+            </a:pPr>
+            <a:r>
+              <a:rPr lang="hu-HU" dirty="0"/>
+              <a:t>Betűtípus:</a:t>
+            </a:r>
+          </a:p>
+          <a:p>
+            <a:r>
+              <a:rPr lang="hu-HU" dirty="0"/>
+              <a:t>https://fonts.google.com/</a:t>
+            </a:r>
+          </a:p>
+          <a:p>
+            <a:endParaRPr lang="hu-HU" dirty="0"/>
+          </a:p>
+          <a:p>
+            <a:pPr marL="0" indent="0">
+              <a:buFont typeface="Franklin Gothic Book" panose="020B0503020102020204" pitchFamily="34" charset="0"/>
+              <a:buNone/>
+            </a:pPr>
+            <a:r>
+              <a:rPr lang="hu-HU" dirty="0"/>
+              <a:t>Szöveg:</a:t>
+            </a:r>
+          </a:p>
+          <a:p>
+            <a:r>
+              <a:rPr lang="hu-HU" dirty="0" err="1"/>
+              <a:t>ChatGPT</a:t>
+            </a:r>
+            <a:r>
+              <a:rPr lang="hu-HU" dirty="0"/>
+              <a:t> által készített szövegek. </a:t>
+            </a:r>
+          </a:p>
+          <a:p>
+            <a:endParaRPr lang="hu-HU" dirty="0"/>
+          </a:p>
+        </p:txBody>
+      </p:sp>
+      <p:pic>
+        <p:nvPicPr>
+          <p:cNvPr id="2050" name="Picture 2" descr="GIMP - Wikipedia">
+            <a:extLst>
+              <a:ext uri="{FF2B5EF4-FFF2-40B4-BE49-F238E27FC236}">
+                <a16:creationId xmlns:a16="http://schemas.microsoft.com/office/drawing/2014/main" id="{C0741A80-D305-426B-9FCA-4FC1DDCF43E8}"/>
+              </a:ext>
+            </a:extLst>
+          </p:cNvPr>
+          <p:cNvPicPr>
+            <a:picLocks noChangeAspect="1" noChangeArrowheads="1"/>
+          </p:cNvPicPr>
+          <p:nvPr/>
+        </p:nvPicPr>
+        <p:blipFill>
+          <a:blip r:embed="rId2">
+            <a:extLst>
+              <a:ext uri="{28A0092B-C50C-407E-A947-70E740481C1C}">
+                <a14:useLocalDpi xmlns:a14="http://schemas.microsoft.com/office/drawing/2010/main" val="0"/>
+              </a:ext>
+            </a:extLst>
+          </a:blip>
+          <a:srcRect/>
+          <a:stretch>
+            <a:fillRect/>
+          </a:stretch>
+        </p:blipFill>
+        <p:spPr bwMode="auto">
+          <a:xfrm>
+            <a:off x="6096000" y="4486276"/>
+            <a:ext cx="962024" cy="962024"/>
+          </a:xfrm>
+          <a:prstGeom prst="rect">
+            <a:avLst/>
+          </a:prstGeom>
+          <a:noFill/>
+          <a:extLst>
+            <a:ext uri="{909E8E84-426E-40DD-AFC4-6F175D3DCCD1}">
+              <a14:hiddenFill xmlns:a14="http://schemas.microsoft.com/office/drawing/2010/main">
+                <a:solidFill>
+                  <a:srgbClr val="FFFFFF"/>
+                </a:solidFill>
+              </a14:hiddenFill>
+            </a:ext>
+          </a:extLst>
+        </p:spPr>
+      </p:pic>
+      <p:pic>
+        <p:nvPicPr>
+          <p:cNvPr id="2052" name="Picture 4" descr="File:Google Fonts logo.svg - Wikipedia">
+            <a:extLst>
+              <a:ext uri="{FF2B5EF4-FFF2-40B4-BE49-F238E27FC236}">
+                <a16:creationId xmlns:a16="http://schemas.microsoft.com/office/drawing/2014/main" id="{9E08C11C-9BCE-46FD-8A1E-EC38DF4B8E40}"/>
+              </a:ext>
+            </a:extLst>
+          </p:cNvPr>
+          <p:cNvPicPr>
+            <a:picLocks noChangeAspect="1" noChangeArrowheads="1"/>
+          </p:cNvPicPr>
+          <p:nvPr/>
+        </p:nvPicPr>
+        <p:blipFill>
+          <a:blip r:embed="rId3">
+            <a:extLst>
+              <a:ext uri="{28A0092B-C50C-407E-A947-70E740481C1C}">
+                <a14:useLocalDpi xmlns:a14="http://schemas.microsoft.com/office/drawing/2010/main" val="0"/>
+              </a:ext>
+            </a:extLst>
+          </a:blip>
+          <a:srcRect/>
+          <a:stretch>
+            <a:fillRect/>
+          </a:stretch>
+        </p:blipFill>
+        <p:spPr bwMode="auto">
+          <a:xfrm>
+            <a:off x="7835056" y="3742612"/>
+            <a:ext cx="2602247" cy="377326"/>
+          </a:xfrm>
+          <a:prstGeom prst="rect">
+            <a:avLst/>
+          </a:prstGeom>
+          <a:noFill/>
+          <a:extLst>
+            <a:ext uri="{909E8E84-426E-40DD-AFC4-6F175D3DCCD1}">
+              <a14:hiddenFill xmlns:a14="http://schemas.microsoft.com/office/drawing/2010/main">
+                <a:solidFill>
+                  <a:srgbClr val="FFFFFF"/>
+                </a:solidFill>
+              </a14:hiddenFill>
+            </a:ext>
+          </a:extLst>
+        </p:spPr>
+      </p:pic>
+      <p:pic>
+        <p:nvPicPr>
+          <p:cNvPr id="2054" name="Picture 6" descr="ChatGPTを使ってお得なホテルを見つける方法">
+            <a:extLst>
+              <a:ext uri="{FF2B5EF4-FFF2-40B4-BE49-F238E27FC236}">
+                <a16:creationId xmlns:a16="http://schemas.microsoft.com/office/drawing/2014/main" id="{AF5143CD-79FA-4973-9FF7-AD18FF2CA879}"/>
+              </a:ext>
+            </a:extLst>
+          </p:cNvPr>
+          <p:cNvPicPr>
+            <a:picLocks noChangeAspect="1" noChangeArrowheads="1"/>
+          </p:cNvPicPr>
+          <p:nvPr/>
+        </p:nvPicPr>
+        <p:blipFill>
+          <a:blip r:embed="rId4">
+            <a:extLst>
+              <a:ext uri="{28A0092B-C50C-407E-A947-70E740481C1C}">
+                <a14:useLocalDpi xmlns:a14="http://schemas.microsoft.com/office/drawing/2010/main" val="0"/>
+              </a:ext>
+            </a:extLst>
+          </a:blip>
+          <a:srcRect/>
+          <a:stretch>
+            <a:fillRect/>
+          </a:stretch>
+        </p:blipFill>
+        <p:spPr bwMode="auto">
+          <a:xfrm>
+            <a:off x="8677900" y="5174268"/>
+            <a:ext cx="1874054" cy="548063"/>
+          </a:xfrm>
+          <a:prstGeom prst="rect">
+            <a:avLst/>
+          </a:prstGeom>
+          <a:noFill/>
+          <a:extLst>
+            <a:ext uri="{909E8E84-426E-40DD-AFC4-6F175D3DCCD1}">
+              <a14:hiddenFill xmlns:a14="http://schemas.microsoft.com/office/drawing/2010/main">
+                <a:solidFill>
+                  <a:srgbClr val="FFFFFF"/>
+                </a:solidFill>
+              </a14:hiddenFill>
+            </a:ext>
+          </a:extLst>
+        </p:spPr>
+      </p:pic>
+    </p:spTree>
+    <p:extLst>
+      <p:ext uri="{BB962C8B-B14F-4D97-AF65-F5344CB8AC3E}">
+        <p14:creationId xmlns:p14="http://schemas.microsoft.com/office/powerpoint/2010/main" val="261948633"/>
+      </p:ext>
+    </p:extLst>
+  </p:cSld>
+  <p:clrMapOvr>
+    <a:masterClrMapping/>
+  </p:clrMapOvr>
+</p:sld>
+</file>
+
+<file path=ppt/slides/slide5.xml><?xml version="1.0" encoding="utf-8"?>
+<p:sld xmlns:a="http://schemas.openxmlformats.org/drawingml/2006/main" xmlns:r="http://schemas.openxmlformats.org/officeDocument/2006/relationships" xmlns:p="http://schemas.openxmlformats.org/presentationml/2006/main">
+  <p:cSld>
+    <p:bg>
+      <p:bgPr>
+        <a:solidFill>
+          <a:schemeClr val="accent1">
+            <a:lumMod val="40000"/>
+            <a:lumOff val="60000"/>
+          </a:schemeClr>
+        </a:solidFill>
+        <a:effectLst/>
+      </p:bgPr>
+    </p:bg>
+    <p:spTree>
+      <p:nvGrpSpPr>
+        <p:cNvPr id="1" name=""/>
+        <p:cNvGrpSpPr/>
+        <p:nvPr/>
+      </p:nvGrpSpPr>
+      <p:grpSpPr>
+        <a:xfrm>
+          <a:off x="0" y="0"/>
+          <a:ext cx="0" cy="0"/>
+          <a:chOff x="0" y="0"/>
+          <a:chExt cx="0" cy="0"/>
+        </a:xfrm>
+      </p:grpSpPr>
+      <p:sp>
+        <p:nvSpPr>
+          <p:cNvPr id="2" name="Cím 1">
+            <a:extLst>
+              <a:ext uri="{FF2B5EF4-FFF2-40B4-BE49-F238E27FC236}">
+                <a16:creationId xmlns:a16="http://schemas.microsoft.com/office/drawing/2014/main" id="{8A9E456A-94D5-4DEE-A145-7C63B0D5065A}"/>
+              </a:ext>
+            </a:extLst>
+          </p:cNvPr>
+          <p:cNvSpPr>
+            <a:spLocks noGrp="1"/>
+          </p:cNvSpPr>
+          <p:nvPr>
+            <p:ph type="title"/>
+          </p:nvPr>
+        </p:nvSpPr>
+        <p:spPr/>
+        <p:txBody>
+          <a:bodyPr/>
+          <a:lstStyle/>
+          <a:p>
+            <a:r>
+              <a:rPr lang="hu-HU" sz="3600" dirty="0"/>
+              <a:t>Frontend</a:t>
+            </a:r>
+            <a:r>
+              <a:rPr lang="hu-HU" dirty="0"/>
+              <a:t>				</a:t>
+            </a:r>
+            <a:r>
+              <a:rPr lang="hu-HU" sz="3600" dirty="0"/>
+              <a:t>Backend</a:t>
+            </a:r>
+            <a:endParaRPr lang="hu-HU" dirty="0"/>
+          </a:p>
+        </p:txBody>
+      </p:sp>
+      <p:sp>
+        <p:nvSpPr>
+          <p:cNvPr id="3" name="Tartalom helye 2">
+            <a:extLst>
+              <a:ext uri="{FF2B5EF4-FFF2-40B4-BE49-F238E27FC236}">
+                <a16:creationId xmlns:a16="http://schemas.microsoft.com/office/drawing/2014/main" id="{EC40B075-D3DE-4924-B8C7-EEDD206E362F}"/>
+              </a:ext>
+            </a:extLst>
+          </p:cNvPr>
+          <p:cNvSpPr>
+            <a:spLocks noGrp="1"/>
+          </p:cNvSpPr>
+          <p:nvPr>
+            <p:ph idx="1"/>
+          </p:nvPr>
+        </p:nvSpPr>
+        <p:spPr>
+          <a:xfrm>
+            <a:off x="1371600" y="1912690"/>
+            <a:ext cx="4198690" cy="4063767"/>
+          </a:xfrm>
+        </p:spPr>
+        <p:txBody>
+          <a:bodyPr/>
+          <a:lstStyle/>
+          <a:p>
+            <a:r>
+              <a:rPr lang="hu-HU" dirty="0"/>
+              <a:t>HTML</a:t>
+            </a:r>
+          </a:p>
+          <a:p>
+            <a:r>
+              <a:rPr lang="hu-HU" dirty="0"/>
+              <a:t>CSS keretrendszerek: </a:t>
+            </a:r>
+            <a:r>
+              <a:rPr lang="hu-HU" dirty="0" err="1"/>
+              <a:t>Bootstrap</a:t>
+            </a:r>
+            <a:endParaRPr lang="hu-HU" dirty="0"/>
+          </a:p>
+          <a:p>
+            <a:r>
+              <a:rPr lang="hu-HU" dirty="0"/>
+              <a:t>JavaScript</a:t>
+            </a:r>
+          </a:p>
+          <a:p>
+            <a:r>
+              <a:rPr lang="hu-HU" dirty="0"/>
+              <a:t>JS keretrendszer: </a:t>
+            </a:r>
+            <a:r>
+              <a:rPr lang="hu-HU" dirty="0" err="1"/>
+              <a:t>Angular</a:t>
+            </a:r>
+            <a:endParaRPr lang="hu-HU" dirty="0"/>
+          </a:p>
+          <a:p>
+            <a:r>
+              <a:rPr lang="hu-HU" dirty="0" err="1"/>
+              <a:t>JQuery</a:t>
+            </a:r>
+            <a:endParaRPr lang="hu-HU" dirty="0"/>
+          </a:p>
+          <a:p>
+            <a:r>
+              <a:rPr lang="hu-HU" dirty="0"/>
+              <a:t>JSON</a:t>
+            </a:r>
+          </a:p>
+          <a:p>
+            <a:endParaRPr lang="hu-HU" dirty="0"/>
+          </a:p>
+        </p:txBody>
+      </p:sp>
+      <p:sp>
+        <p:nvSpPr>
+          <p:cNvPr id="4" name="Tartalom helye 2">
+            <a:extLst>
+              <a:ext uri="{FF2B5EF4-FFF2-40B4-BE49-F238E27FC236}">
+                <a16:creationId xmlns:a16="http://schemas.microsoft.com/office/drawing/2014/main" id="{355B7BF5-8FC5-4A45-A589-E5891E583B00}"/>
+              </a:ext>
+            </a:extLst>
+          </p:cNvPr>
+          <p:cNvSpPr txBox="1">
+            <a:spLocks/>
+          </p:cNvSpPr>
+          <p:nvPr/>
+        </p:nvSpPr>
+        <p:spPr>
+          <a:xfrm>
+            <a:off x="6172200" y="1912689"/>
+            <a:ext cx="4198690" cy="4063767"/>
+          </a:xfrm>
+          <a:prstGeom prst="rect">
+            <a:avLst/>
+          </a:prstGeom>
+        </p:spPr>
+        <p:txBody>
+          <a:bodyPr vert="horz" lIns="91440" tIns="45720" rIns="91440" bIns="45720" rtlCol="0">
+            <a:normAutofit/>
+          </a:bodyPr>
+          <a:lstStyle>
+            <a:lvl1pPr marL="384048" indent="-384048" algn="l" defTabSz="914400" rtl="0" eaLnBrk="1" latinLnBrk="0" hangingPunct="1">
+              <a:lnSpc>
+                <a:spcPct val="94000"/>
+              </a:lnSpc>
+              <a:spcBef>
+                <a:spcPts val="1000"/>
+              </a:spcBef>
+              <a:spcAft>
+                <a:spcPts val="200"/>
+              </a:spcAft>
+              <a:buFont typeface="Franklin Gothic Book" panose="020B0503020102020204" pitchFamily="34" charset="0"/>
+              <a:buChar char="■"/>
+              <a:defRPr sz="2000" kern="1200" baseline="0">
+                <a:solidFill>
+                  <a:schemeClr val="tx2"/>
+                </a:solidFill>
+                <a:latin typeface="+mn-lt"/>
+                <a:ea typeface="+mn-ea"/>
+                <a:cs typeface="+mn-cs"/>
+              </a:defRPr>
+            </a:lvl1pPr>
+            <a:lvl2pPr marL="914400" indent="-384048" algn="l" defTabSz="914400" rtl="0" eaLnBrk="1" latinLnBrk="0" hangingPunct="1">
+              <a:lnSpc>
+                <a:spcPct val="94000"/>
+              </a:lnSpc>
+              <a:spcBef>
+                <a:spcPts val="500"/>
+              </a:spcBef>
+              <a:spcAft>
+                <a:spcPts val="200"/>
+              </a:spcAft>
+              <a:buFont typeface="Franklin Gothic Book" panose="020B0503020102020204" pitchFamily="34" charset="0"/>
+              <a:buChar char="–"/>
+              <a:defRPr sz="2000" i="1" kern="1200" baseline="0">
+                <a:solidFill>
+                  <a:schemeClr val="tx2"/>
+                </a:solidFill>
+                <a:latin typeface="+mn-lt"/>
+                <a:ea typeface="+mn-ea"/>
+                <a:cs typeface="+mn-cs"/>
+              </a:defRPr>
+            </a:lvl2pPr>
+            <a:lvl3pPr marL="1371600" indent="-384048" algn="l" defTabSz="914400" rtl="0" eaLnBrk="1" latinLnBrk="0" hangingPunct="1">
+              <a:lnSpc>
+                <a:spcPct val="94000"/>
+              </a:lnSpc>
+              <a:spcBef>
+                <a:spcPts val="500"/>
+              </a:spcBef>
+              <a:spcAft>
+                <a:spcPts val="200"/>
+              </a:spcAft>
+              <a:buFont typeface="Franklin Gothic Book" panose="020B0503020102020204" pitchFamily="34" charset="0"/>
+              <a:buChar char="■"/>
+              <a:defRPr sz="1800" kern="1200" baseline="0">
+                <a:solidFill>
+                  <a:schemeClr val="tx2"/>
+                </a:solidFill>
+                <a:latin typeface="+mn-lt"/>
+                <a:ea typeface="+mn-ea"/>
+                <a:cs typeface="+mn-cs"/>
+              </a:defRPr>
+            </a:lvl3pPr>
+            <a:lvl4pPr marL="1828800" indent="-384048" algn="l" defTabSz="914400" rtl="0" eaLnBrk="1" latinLnBrk="0" hangingPunct="1">
+              <a:lnSpc>
+                <a:spcPct val="94000"/>
+              </a:lnSpc>
+              <a:spcBef>
+                <a:spcPts val="500"/>
+              </a:spcBef>
+              <a:spcAft>
+                <a:spcPts val="200"/>
+              </a:spcAft>
+              <a:buFont typeface="Franklin Gothic Book" panose="020B0503020102020204" pitchFamily="34" charset="0"/>
+              <a:buChar char="–"/>
+              <a:defRPr sz="1800" i="1" kern="1200" baseline="0">
+                <a:solidFill>
+                  <a:schemeClr val="tx2"/>
+                </a:solidFill>
+                <a:latin typeface="+mn-lt"/>
+                <a:ea typeface="+mn-ea"/>
+                <a:cs typeface="+mn-cs"/>
+              </a:defRPr>
+            </a:lvl4pPr>
+            <a:lvl5pPr marL="2286000" indent="-384048" algn="l" defTabSz="914400" rtl="0" eaLnBrk="1" latinLnBrk="0" hangingPunct="1">
+              <a:lnSpc>
+                <a:spcPct val="94000"/>
+              </a:lnSpc>
+              <a:spcBef>
+                <a:spcPts val="500"/>
+              </a:spcBef>
+              <a:spcAft>
+                <a:spcPts val="200"/>
+              </a:spcAft>
+              <a:buFont typeface="Franklin Gothic Book" panose="020B0503020102020204" pitchFamily="34" charset="0"/>
+              <a:buChar char="■"/>
+              <a:defRPr sz="1600" kern="1200" baseline="0">
+                <a:solidFill>
+                  <a:schemeClr val="tx2"/>
+                </a:solidFill>
+                <a:latin typeface="+mn-lt"/>
+                <a:ea typeface="+mn-ea"/>
+                <a:cs typeface="+mn-cs"/>
+              </a:defRPr>
+            </a:lvl5pPr>
+            <a:lvl6pPr marL="2743200" indent="-384048" algn="l" defTabSz="914400" rtl="0" eaLnBrk="1" latinLnBrk="0" hangingPunct="1">
+              <a:lnSpc>
+                <a:spcPct val="94000"/>
+              </a:lnSpc>
+              <a:spcBef>
+                <a:spcPts val="500"/>
+              </a:spcBef>
+              <a:spcAft>
+                <a:spcPts val="200"/>
+              </a:spcAft>
+              <a:buFont typeface="Franklin Gothic Book" panose="020B0503020102020204" pitchFamily="34" charset="0"/>
+              <a:buChar char="–"/>
+              <a:defRPr sz="1600" i="1" kern="1200" baseline="0">
+                <a:solidFill>
+                  <a:schemeClr val="tx2"/>
+                </a:solidFill>
+                <a:latin typeface="+mn-lt"/>
+                <a:ea typeface="+mn-ea"/>
+                <a:cs typeface="+mn-cs"/>
+              </a:defRPr>
+            </a:lvl6pPr>
+            <a:lvl7pPr marL="3200400" indent="-384048" algn="l" defTabSz="914400" rtl="0" eaLnBrk="1" latinLnBrk="0" hangingPunct="1">
+              <a:lnSpc>
+                <a:spcPct val="94000"/>
+              </a:lnSpc>
+              <a:spcBef>
+                <a:spcPts val="500"/>
+              </a:spcBef>
+              <a:spcAft>
+                <a:spcPts val="200"/>
+              </a:spcAft>
+              <a:buFont typeface="Franklin Gothic Book" panose="020B0503020102020204" pitchFamily="34" charset="0"/>
+              <a:buChar char="■"/>
+              <a:defRPr sz="1400" kern="1200" baseline="0">
+                <a:solidFill>
+                  <a:schemeClr val="tx2"/>
+                </a:solidFill>
+                <a:latin typeface="+mn-lt"/>
+                <a:ea typeface="+mn-ea"/>
+                <a:cs typeface="+mn-cs"/>
+              </a:defRPr>
+            </a:lvl7pPr>
+            <a:lvl8pPr marL="3657600" indent="-384048" algn="l" defTabSz="914400" rtl="0" eaLnBrk="1" latinLnBrk="0" hangingPunct="1">
+              <a:lnSpc>
+                <a:spcPct val="94000"/>
+              </a:lnSpc>
+              <a:spcBef>
+                <a:spcPts val="500"/>
+              </a:spcBef>
+              <a:spcAft>
+                <a:spcPts val="200"/>
+              </a:spcAft>
+              <a:buFont typeface="Franklin Gothic Book" panose="020B0503020102020204" pitchFamily="34" charset="0"/>
+              <a:buChar char="–"/>
+              <a:defRPr sz="1400" i="1" kern="1200" baseline="0">
+                <a:solidFill>
+                  <a:schemeClr val="tx2"/>
+                </a:solidFill>
+                <a:latin typeface="+mn-lt"/>
+                <a:ea typeface="+mn-ea"/>
+                <a:cs typeface="+mn-cs"/>
+              </a:defRPr>
+            </a:lvl8pPr>
+            <a:lvl9pPr marL="4114800" indent="-384048" algn="l" defTabSz="914400" rtl="0" eaLnBrk="1" latinLnBrk="0" hangingPunct="1">
+              <a:lnSpc>
+                <a:spcPct val="94000"/>
+              </a:lnSpc>
+              <a:spcBef>
+                <a:spcPts val="500"/>
+              </a:spcBef>
+              <a:spcAft>
+                <a:spcPts val="200"/>
+              </a:spcAft>
+              <a:buFont typeface="Franklin Gothic Book" panose="020B0503020102020204" pitchFamily="34" charset="0"/>
+              <a:buChar char="■"/>
+              <a:defRPr sz="1400" kern="1200" baseline="0">
+                <a:solidFill>
+                  <a:schemeClr val="tx2"/>
+                </a:solidFill>
+                <a:latin typeface="+mn-lt"/>
+                <a:ea typeface="+mn-ea"/>
+                <a:cs typeface="+mn-cs"/>
+              </a:defRPr>
+            </a:lvl9pPr>
+          </a:lstStyle>
+          <a:p>
+            <a:r>
+              <a:rPr lang="hu-HU" dirty="0"/>
+              <a:t>PHP</a:t>
+            </a:r>
+          </a:p>
+          <a:p>
+            <a:r>
+              <a:rPr lang="hu-HU" dirty="0" err="1"/>
+              <a:t>MySQL</a:t>
+            </a:r>
+            <a:endParaRPr lang="hu-HU" dirty="0"/>
+          </a:p>
+          <a:p>
+            <a:pPr marL="0" indent="0">
+              <a:buNone/>
+            </a:pPr>
+            <a:endParaRPr lang="hu-HU" dirty="0"/>
+          </a:p>
+        </p:txBody>
+      </p:sp>
+      <p:pic>
+        <p:nvPicPr>
+          <p:cNvPr id="3074" name="Picture 2" descr="What is MySQL? - MySQL Relational Databases Explained - AWS">
+            <a:extLst>
+              <a:ext uri="{FF2B5EF4-FFF2-40B4-BE49-F238E27FC236}">
+                <a16:creationId xmlns:a16="http://schemas.microsoft.com/office/drawing/2014/main" id="{6A60A936-79EA-4580-99F3-9FA2F7A6AB0C}"/>
+              </a:ext>
+            </a:extLst>
+          </p:cNvPr>
+          <p:cNvPicPr>
+            <a:picLocks noChangeAspect="1" noChangeArrowheads="1"/>
+          </p:cNvPicPr>
+          <p:nvPr/>
+        </p:nvPicPr>
+        <p:blipFill>
+          <a:blip r:embed="rId2">
+            <a:extLst>
+              <a:ext uri="{28A0092B-C50C-407E-A947-70E740481C1C}">
+                <a14:useLocalDpi xmlns:a14="http://schemas.microsoft.com/office/drawing/2010/main" val="0"/>
+              </a:ext>
+            </a:extLst>
+          </a:blip>
+          <a:srcRect/>
+          <a:stretch>
+            <a:fillRect/>
+          </a:stretch>
+        </p:blipFill>
+        <p:spPr bwMode="auto">
+          <a:xfrm>
+            <a:off x="8667247" y="3076575"/>
+            <a:ext cx="1932317" cy="1000125"/>
+          </a:xfrm>
+          <a:prstGeom prst="rect">
+            <a:avLst/>
+          </a:prstGeom>
+          <a:noFill/>
+          <a:extLst>
+            <a:ext uri="{909E8E84-426E-40DD-AFC4-6F175D3DCCD1}">
+              <a14:hiddenFill xmlns:a14="http://schemas.microsoft.com/office/drawing/2010/main">
+                <a:solidFill>
+                  <a:srgbClr val="FFFFFF"/>
+                </a:solidFill>
+              </a14:hiddenFill>
+            </a:ext>
+          </a:extLst>
+        </p:spPr>
+      </p:pic>
+      <p:pic>
+        <p:nvPicPr>
+          <p:cNvPr id="3078" name="Picture 6" descr="File:Javascript badge.svg - Wikimedia Commons">
+            <a:extLst>
+              <a:ext uri="{FF2B5EF4-FFF2-40B4-BE49-F238E27FC236}">
+                <a16:creationId xmlns:a16="http://schemas.microsoft.com/office/drawing/2014/main" id="{3E663F85-27C0-4BA5-97FC-5DF86622D972}"/>
+              </a:ext>
+            </a:extLst>
+          </p:cNvPr>
+          <p:cNvPicPr>
+            <a:picLocks noChangeAspect="1" noChangeArrowheads="1"/>
+          </p:cNvPicPr>
+          <p:nvPr/>
+        </p:nvPicPr>
+        <p:blipFill>
+          <a:blip r:embed="rId3">
+            <a:extLst>
+              <a:ext uri="{28A0092B-C50C-407E-A947-70E740481C1C}">
+                <a14:useLocalDpi xmlns:a14="http://schemas.microsoft.com/office/drawing/2010/main" val="0"/>
+              </a:ext>
+            </a:extLst>
+          </a:blip>
+          <a:srcRect/>
+          <a:stretch>
+            <a:fillRect/>
+          </a:stretch>
+        </p:blipFill>
+        <p:spPr bwMode="auto">
+          <a:xfrm>
+            <a:off x="6477000" y="4205287"/>
+            <a:ext cx="1104350" cy="1195387"/>
+          </a:xfrm>
+          <a:prstGeom prst="rect">
+            <a:avLst/>
+          </a:prstGeom>
+          <a:noFill/>
+          <a:extLst>
+            <a:ext uri="{909E8E84-426E-40DD-AFC4-6F175D3DCCD1}">
+              <a14:hiddenFill xmlns:a14="http://schemas.microsoft.com/office/drawing/2010/main">
+                <a:solidFill>
+                  <a:srgbClr val="FFFFFF"/>
+                </a:solidFill>
+              </a14:hiddenFill>
+            </a:ext>
+          </a:extLst>
+        </p:spPr>
+      </p:pic>
+      <p:pic>
+        <p:nvPicPr>
+          <p:cNvPr id="3080" name="Picture 8" descr="PHP – Wikipédia">
+            <a:extLst>
+              <a:ext uri="{FF2B5EF4-FFF2-40B4-BE49-F238E27FC236}">
+                <a16:creationId xmlns:a16="http://schemas.microsoft.com/office/drawing/2014/main" id="{FB719586-1B80-4CF9-AFC7-D98209AD5037}"/>
+              </a:ext>
+            </a:extLst>
+          </p:cNvPr>
+          <p:cNvPicPr>
+            <a:picLocks noChangeAspect="1" noChangeArrowheads="1"/>
+          </p:cNvPicPr>
+          <p:nvPr/>
+        </p:nvPicPr>
+        <p:blipFill>
+          <a:blip r:embed="rId4">
+            <a:extLst>
+              <a:ext uri="{28A0092B-C50C-407E-A947-70E740481C1C}">
+                <a14:useLocalDpi xmlns:a14="http://schemas.microsoft.com/office/drawing/2010/main" val="0"/>
+              </a:ext>
+            </a:extLst>
+          </a:blip>
+          <a:srcRect/>
+          <a:stretch>
+            <a:fillRect/>
+          </a:stretch>
+        </p:blipFill>
+        <p:spPr bwMode="auto">
+          <a:xfrm>
+            <a:off x="9003499" y="5294032"/>
+            <a:ext cx="1481728" cy="800133"/>
+          </a:xfrm>
+          <a:prstGeom prst="rect">
+            <a:avLst/>
+          </a:prstGeom>
+          <a:noFill/>
+          <a:extLst>
+            <a:ext uri="{909E8E84-426E-40DD-AFC4-6F175D3DCCD1}">
+              <a14:hiddenFill xmlns:a14="http://schemas.microsoft.com/office/drawing/2010/main">
+                <a:solidFill>
+                  <a:srgbClr val="FFFFFF"/>
+                </a:solidFill>
+              </a14:hiddenFill>
+            </a:ext>
+          </a:extLst>
+        </p:spPr>
+      </p:pic>
+    </p:spTree>
+    <p:extLst>
+      <p:ext uri="{BB962C8B-B14F-4D97-AF65-F5344CB8AC3E}">
+        <p14:creationId xmlns:p14="http://schemas.microsoft.com/office/powerpoint/2010/main" val="1875810185"/>
+      </p:ext>
+    </p:extLst>
+  </p:cSld>
+  <p:clrMapOvr>
+    <a:masterClrMapping/>
+  </p:clrMapOvr>
+</p:sld>
+</file>
+
+<file path=ppt/slides/slide6.xml><?xml version="1.0" encoding="utf-8"?>
+<p:sld xmlns:a="http://schemas.openxmlformats.org/drawingml/2006/main" xmlns:r="http://schemas.openxmlformats.org/officeDocument/2006/relationships" xmlns:p="http://schemas.openxmlformats.org/presentationml/2006/main">
+  <p:cSld>
+    <p:bg>
+      <p:bgPr>
+        <a:solidFill>
+          <a:schemeClr val="accent1">
+            <a:lumMod val="40000"/>
+            <a:lumOff val="60000"/>
+          </a:schemeClr>
+        </a:solidFill>
+        <a:effectLst/>
+      </p:bgPr>
+    </p:bg>
+    <p:spTree>
+      <p:nvGrpSpPr>
+        <p:cNvPr id="1" name=""/>
+        <p:cNvGrpSpPr/>
+        <p:nvPr/>
+      </p:nvGrpSpPr>
+      <p:grpSpPr>
+        <a:xfrm>
+          <a:off x="0" y="0"/>
+          <a:ext cx="0" cy="0"/>
+          <a:chOff x="0" y="0"/>
+          <a:chExt cx="0" cy="0"/>
+        </a:xfrm>
+      </p:grpSpPr>
+    </p:spTree>
+    <p:extLst>
+      <p:ext uri="{BB962C8B-B14F-4D97-AF65-F5344CB8AC3E}">
+        <p14:creationId xmlns:p14="http://schemas.microsoft.com/office/powerpoint/2010/main" val="1075327035"/>
+      </p:ext>
+    </p:extLst>
+  </p:cSld>
+  <p:clrMapOvr>
+    <a:masterClrMapping/>
+  </p:clrMapOvr>
+</p:sld>
+</file>
+
+<file path=ppt/slides/slide7.xml><?xml version="1.0" encoding="utf-8"?>
+<p:sld xmlns:a="http://schemas.openxmlformats.org/drawingml/2006/main" xmlns:r="http://schemas.openxmlformats.org/officeDocument/2006/relationships" xmlns:p="http://schemas.openxmlformats.org/presentationml/2006/main">
+  <p:cSld>
+    <p:bg>
+      <p:bgPr>
+        <a:solidFill>
+          <a:schemeClr val="accent1">
+            <a:lumMod val="40000"/>
+            <a:lumOff val="60000"/>
+          </a:schemeClr>
+        </a:solidFill>
+        <a:effectLst/>
+      </p:bgPr>
+    </p:bg>
+    <p:spTree>
+      <p:nvGrpSpPr>
+        <p:cNvPr id="1" name=""/>
+        <p:cNvGrpSpPr/>
+        <p:nvPr/>
+      </p:nvGrpSpPr>
+      <p:grpSpPr>
+        <a:xfrm>
+          <a:off x="0" y="0"/>
+          <a:ext cx="0" cy="0"/>
+          <a:chOff x="0" y="0"/>
+          <a:chExt cx="0" cy="0"/>
+        </a:xfrm>
+      </p:grpSpPr>
+      <p:pic>
+        <p:nvPicPr>
+          <p:cNvPr id="5" name="Kép 4">
+            <a:extLst>
+              <a:ext uri="{FF2B5EF4-FFF2-40B4-BE49-F238E27FC236}">
+                <a16:creationId xmlns:a16="http://schemas.microsoft.com/office/drawing/2014/main" id="{A006E7F8-4079-479A-AF43-3F7FBD17D9DC}"/>
+              </a:ext>
+            </a:extLst>
+          </p:cNvPr>
+          <p:cNvPicPr>
+            <a:picLocks noChangeAspect="1"/>
+          </p:cNvPicPr>
+          <p:nvPr/>
+        </p:nvPicPr>
+        <p:blipFill>
+          <a:blip r:embed="rId2"/>
+          <a:stretch>
+            <a:fillRect/>
+          </a:stretch>
+        </p:blipFill>
+        <p:spPr>
+          <a:xfrm>
+            <a:off x="2342639" y="1275997"/>
+            <a:ext cx="3547853" cy="4915254"/>
+          </a:xfrm>
+          <a:prstGeom prst="rect">
+            <a:avLst/>
+          </a:prstGeom>
+        </p:spPr>
+      </p:pic>
+      <p:pic>
+        <p:nvPicPr>
+          <p:cNvPr id="7" name="Kép 6">
+            <a:extLst>
+              <a:ext uri="{FF2B5EF4-FFF2-40B4-BE49-F238E27FC236}">
+                <a16:creationId xmlns:a16="http://schemas.microsoft.com/office/drawing/2014/main" id="{AFAADD07-C5DB-40C7-9172-1FF86537A7FF}"/>
+              </a:ext>
+            </a:extLst>
+          </p:cNvPr>
+          <p:cNvPicPr>
+            <a:picLocks noChangeAspect="1"/>
+          </p:cNvPicPr>
+          <p:nvPr/>
+        </p:nvPicPr>
+        <p:blipFill>
+          <a:blip r:embed="rId3"/>
+          <a:stretch>
+            <a:fillRect/>
+          </a:stretch>
+        </p:blipFill>
+        <p:spPr>
+          <a:xfrm>
+            <a:off x="7138498" y="204699"/>
+            <a:ext cx="2840096" cy="6448602"/>
+          </a:xfrm>
+          <a:prstGeom prst="rect">
+            <a:avLst/>
+          </a:prstGeom>
+        </p:spPr>
+      </p:pic>
+      <p:sp>
+        <p:nvSpPr>
+          <p:cNvPr id="8" name="Cím 1">
+            <a:extLst>
+              <a:ext uri="{FF2B5EF4-FFF2-40B4-BE49-F238E27FC236}">
+                <a16:creationId xmlns:a16="http://schemas.microsoft.com/office/drawing/2014/main" id="{4E72B30D-F872-4F0A-A7D5-95C40575E4A6}"/>
+              </a:ext>
+            </a:extLst>
+          </p:cNvPr>
+          <p:cNvSpPr>
+            <a:spLocks noGrp="1"/>
+          </p:cNvSpPr>
+          <p:nvPr>
+            <p:ph type="title"/>
+          </p:nvPr>
+        </p:nvSpPr>
+        <p:spPr>
+          <a:xfrm>
+            <a:off x="1295400" y="533047"/>
+            <a:ext cx="9601200" cy="1485900"/>
+          </a:xfrm>
+        </p:spPr>
+        <p:txBody>
+          <a:bodyPr/>
+          <a:lstStyle/>
+          <a:p>
+            <a:r>
+              <a:rPr lang="hu-HU" sz="3600" dirty="0"/>
+              <a:t>Főoldal</a:t>
+            </a:r>
+            <a:endParaRPr lang="hu-HU" dirty="0"/>
+          </a:p>
+        </p:txBody>
+      </p:sp>
+    </p:spTree>
+    <p:extLst>
+      <p:ext uri="{BB962C8B-B14F-4D97-AF65-F5344CB8AC3E}">
+        <p14:creationId xmlns:p14="http://schemas.microsoft.com/office/powerpoint/2010/main" val="3621470346"/>
+      </p:ext>
+    </p:extLst>
+  </p:cSld>
+  <p:clrMapOvr>
+    <a:masterClrMapping/>
+  </p:clrMapOvr>
+</p:sld>
+</file>
+
+<file path=ppt/slides/slide8.xml><?xml version="1.0" encoding="utf-8"?>
+<p:sld xmlns:a="http://schemas.openxmlformats.org/drawingml/2006/main" xmlns:r="http://schemas.openxmlformats.org/officeDocument/2006/relationships" xmlns:p="http://schemas.openxmlformats.org/presentationml/2006/main">
+  <p:cSld>
+    <p:bg>
+      <p:bgPr>
+        <a:solidFill>
+          <a:schemeClr val="accent1">
+            <a:lumMod val="40000"/>
+            <a:lumOff val="60000"/>
+          </a:schemeClr>
+        </a:solidFill>
+        <a:effectLst/>
+      </p:bgPr>
+    </p:bg>
+    <p:spTree>
+      <p:nvGrpSpPr>
+        <p:cNvPr id="1" name=""/>
+        <p:cNvGrpSpPr/>
+        <p:nvPr/>
+      </p:nvGrpSpPr>
+      <p:grpSpPr>
+        <a:xfrm>
+          <a:off x="0" y="0"/>
+          <a:ext cx="0" cy="0"/>
+          <a:chOff x="0" y="0"/>
+          <a:chExt cx="0" cy="0"/>
+        </a:xfrm>
+      </p:grpSpPr>
+      <p:pic>
+        <p:nvPicPr>
+          <p:cNvPr id="5" name="Kép 4">
+            <a:extLst>
+              <a:ext uri="{FF2B5EF4-FFF2-40B4-BE49-F238E27FC236}">
+                <a16:creationId xmlns:a16="http://schemas.microsoft.com/office/drawing/2014/main" id="{6179C060-640F-4556-8338-265ECB903499}"/>
+              </a:ext>
+            </a:extLst>
+          </p:cNvPr>
+          <p:cNvPicPr>
+            <a:picLocks noChangeAspect="1"/>
+          </p:cNvPicPr>
+          <p:nvPr/>
+        </p:nvPicPr>
+        <p:blipFill>
+          <a:blip r:embed="rId2"/>
+          <a:stretch>
+            <a:fillRect/>
+          </a:stretch>
+        </p:blipFill>
+        <p:spPr>
+          <a:xfrm>
+            <a:off x="1966412" y="1437922"/>
+            <a:ext cx="3591426" cy="4629796"/>
+          </a:xfrm>
+          <a:prstGeom prst="rect">
+            <a:avLst/>
+          </a:prstGeom>
+        </p:spPr>
+      </p:pic>
+      <p:pic>
+        <p:nvPicPr>
+          <p:cNvPr id="7" name="Kép 6">
+            <a:extLst>
+              <a:ext uri="{FF2B5EF4-FFF2-40B4-BE49-F238E27FC236}">
+                <a16:creationId xmlns:a16="http://schemas.microsoft.com/office/drawing/2014/main" id="{D003BC4B-CE80-43FA-8A9C-44917E68E267}"/>
+              </a:ext>
+            </a:extLst>
+          </p:cNvPr>
+          <p:cNvPicPr>
+            <a:picLocks noChangeAspect="1"/>
+          </p:cNvPicPr>
+          <p:nvPr/>
+        </p:nvPicPr>
+        <p:blipFill>
+          <a:blip r:embed="rId3"/>
+          <a:stretch>
+            <a:fillRect/>
+          </a:stretch>
+        </p:blipFill>
+        <p:spPr>
+          <a:xfrm>
+            <a:off x="6634164" y="209100"/>
+            <a:ext cx="3696216" cy="6439799"/>
+          </a:xfrm>
+          <a:prstGeom prst="rect">
+            <a:avLst/>
+          </a:prstGeom>
+        </p:spPr>
+      </p:pic>
+      <p:sp>
+        <p:nvSpPr>
+          <p:cNvPr id="8" name="Cím 1">
+            <a:extLst>
+              <a:ext uri="{FF2B5EF4-FFF2-40B4-BE49-F238E27FC236}">
+                <a16:creationId xmlns:a16="http://schemas.microsoft.com/office/drawing/2014/main" id="{DAEF757F-E6FF-4B13-BF27-22B03AD7132D}"/>
+              </a:ext>
+            </a:extLst>
+          </p:cNvPr>
+          <p:cNvSpPr>
+            <a:spLocks noGrp="1"/>
+          </p:cNvSpPr>
+          <p:nvPr>
+            <p:ph type="title"/>
+          </p:nvPr>
+        </p:nvSpPr>
+        <p:spPr>
+          <a:xfrm>
+            <a:off x="1295400" y="533047"/>
+            <a:ext cx="9601200" cy="1485900"/>
+          </a:xfrm>
+        </p:spPr>
+        <p:txBody>
+          <a:bodyPr/>
+          <a:lstStyle/>
+          <a:p>
+            <a:r>
+              <a:rPr lang="hu-HU" sz="3600" dirty="0"/>
+              <a:t>Járatok (Kiindulópontok)</a:t>
+            </a:r>
+            <a:endParaRPr lang="hu-HU" dirty="0"/>
+          </a:p>
+        </p:txBody>
+      </p:sp>
+    </p:spTree>
+    <p:extLst>
+      <p:ext uri="{BB962C8B-B14F-4D97-AF65-F5344CB8AC3E}">
+        <p14:creationId xmlns:p14="http://schemas.microsoft.com/office/powerpoint/2010/main" val="792320008"/>
+      </p:ext>
+    </p:extLst>
+  </p:cSld>
+  <p:clrMapOvr>
+    <a:masterClrMapping/>
+  </p:clrMapOvr>
+</p:sld>
+</file>
+
+<file path=ppt/slides/slide9.xml><?xml version="1.0" encoding="utf-8"?>
+<p:sld xmlns:a="http://schemas.openxmlformats.org/drawingml/2006/main" xmlns:r="http://schemas.openxmlformats.org/officeDocument/2006/relationships" xmlns:p="http://schemas.openxmlformats.org/presentationml/2006/main">
+  <p:cSld>
+    <p:bg>
+      <p:bgPr>
+        <a:solidFill>
+          <a:schemeClr val="accent1">
+            <a:lumMod val="40000"/>
+            <a:lumOff val="60000"/>
+          </a:schemeClr>
+        </a:solidFill>
+        <a:effectLst/>
+      </p:bgPr>
+    </p:bg>
+    <p:spTree>
+      <p:nvGrpSpPr>
+        <p:cNvPr id="1" name=""/>
+        <p:cNvGrpSpPr/>
+        <p:nvPr/>
+      </p:nvGrpSpPr>
+      <p:grpSpPr>
+        <a:xfrm>
+          <a:off x="0" y="0"/>
+          <a:ext cx="0" cy="0"/>
+          <a:chOff x="0" y="0"/>
+          <a:chExt cx="0" cy="0"/>
+        </a:xfrm>
+      </p:grpSpPr>
+      <p:pic>
+        <p:nvPicPr>
+          <p:cNvPr id="5" name="Kép 4">
+            <a:extLst>
+              <a:ext uri="{FF2B5EF4-FFF2-40B4-BE49-F238E27FC236}">
+                <a16:creationId xmlns:a16="http://schemas.microsoft.com/office/drawing/2014/main" id="{6B265E37-DCF4-4287-A53A-C7204046F0B5}"/>
+              </a:ext>
+            </a:extLst>
+          </p:cNvPr>
+          <p:cNvPicPr>
+            <a:picLocks noChangeAspect="1"/>
+          </p:cNvPicPr>
+          <p:nvPr/>
+        </p:nvPicPr>
+        <p:blipFill>
+          <a:blip r:embed="rId2"/>
+          <a:stretch>
+            <a:fillRect/>
+          </a:stretch>
+        </p:blipFill>
+        <p:spPr>
+          <a:xfrm>
+            <a:off x="2161671" y="1275997"/>
+            <a:ext cx="3610479" cy="4839375"/>
+          </a:xfrm>
+          <a:prstGeom prst="rect">
+            <a:avLst/>
+          </a:prstGeom>
+        </p:spPr>
+      </p:pic>
+      <p:pic>
+        <p:nvPicPr>
+          <p:cNvPr id="7" name="Kép 6">
+            <a:extLst>
+              <a:ext uri="{FF2B5EF4-FFF2-40B4-BE49-F238E27FC236}">
+                <a16:creationId xmlns:a16="http://schemas.microsoft.com/office/drawing/2014/main" id="{247598AC-3B4B-4F77-BC5B-A53C2F394C1E}"/>
+              </a:ext>
+            </a:extLst>
+          </p:cNvPr>
+          <p:cNvPicPr>
+            <a:picLocks noChangeAspect="1"/>
+          </p:cNvPicPr>
+          <p:nvPr/>
+        </p:nvPicPr>
+        <p:blipFill>
+          <a:blip r:embed="rId3"/>
+          <a:stretch>
+            <a:fillRect/>
+          </a:stretch>
+        </p:blipFill>
+        <p:spPr>
+          <a:xfrm>
+            <a:off x="6550152" y="628297"/>
+            <a:ext cx="3568445" cy="5873064"/>
+          </a:xfrm>
+          <a:prstGeom prst="rect">
+            <a:avLst/>
+          </a:prstGeom>
+        </p:spPr>
+      </p:pic>
+      <p:sp>
+        <p:nvSpPr>
+          <p:cNvPr id="8" name="Cím 1">
+            <a:extLst>
+              <a:ext uri="{FF2B5EF4-FFF2-40B4-BE49-F238E27FC236}">
+                <a16:creationId xmlns:a16="http://schemas.microsoft.com/office/drawing/2014/main" id="{6E836BB8-8646-41DF-9EE4-1C9CDB2552BC}"/>
+              </a:ext>
+            </a:extLst>
+          </p:cNvPr>
+          <p:cNvSpPr>
+            <a:spLocks noGrp="1"/>
+          </p:cNvSpPr>
+          <p:nvPr>
+            <p:ph type="title"/>
+          </p:nvPr>
+        </p:nvSpPr>
+        <p:spPr>
+          <a:xfrm>
+            <a:off x="1295400" y="533047"/>
+            <a:ext cx="9601200" cy="1485900"/>
+          </a:xfrm>
+        </p:spPr>
+        <p:txBody>
+          <a:bodyPr/>
+          <a:lstStyle/>
+          <a:p>
+            <a:r>
+              <a:rPr lang="hu-HU" sz="3600" dirty="0"/>
+              <a:t>Járatok </a:t>
+            </a:r>
+            <a:endParaRPr lang="hu-HU" dirty="0"/>
+          </a:p>
+        </p:txBody>
+      </p:sp>
+    </p:spTree>
+    <p:extLst>
+      <p:ext uri="{BB962C8B-B14F-4D97-AF65-F5344CB8AC3E}">
+        <p14:creationId xmlns:p14="http://schemas.microsoft.com/office/powerpoint/2010/main" val="2343711693"/>
       </p:ext>
     </p:extLst>
   </p:cSld>
